--- a/BoPRC R Course Lesson 2.pptx
+++ b/BoPRC R Course Lesson 2.pptx
@@ -13,13 +13,15 @@
     <p:sldId id="312" r:id="rId7"/>
     <p:sldId id="387" r:id="rId8"/>
     <p:sldId id="315" r:id="rId9"/>
-    <p:sldId id="316" r:id="rId10"/>
-    <p:sldId id="317" r:id="rId11"/>
-    <p:sldId id="388" r:id="rId12"/>
-    <p:sldId id="383" r:id="rId13"/>
-    <p:sldId id="257" r:id="rId14"/>
-    <p:sldId id="258" r:id="rId15"/>
-    <p:sldId id="261" r:id="rId16"/>
+    <p:sldId id="295" r:id="rId10"/>
+    <p:sldId id="296" r:id="rId11"/>
+    <p:sldId id="316" r:id="rId12"/>
+    <p:sldId id="317" r:id="rId13"/>
+    <p:sldId id="388" r:id="rId14"/>
+    <p:sldId id="383" r:id="rId15"/>
+    <p:sldId id="257" r:id="rId16"/>
+    <p:sldId id="258" r:id="rId17"/>
+    <p:sldId id="261" r:id="rId18"/>
   </p:sldIdLst>
   <p:sldSz cx="12192000" cy="6858000"/>
   <p:notesSz cx="6858000" cy="9144000"/>
@@ -1589,6 +1591,1363 @@
 </file>
 
 <file path=ppt/slides/slide10.xml><?xml version="1.0" encoding="utf-8"?>
+<p:sld xmlns:a="http://schemas.openxmlformats.org/drawingml/2006/main" xmlns:r="http://schemas.openxmlformats.org/officeDocument/2006/relationships" xmlns:p="http://schemas.openxmlformats.org/presentationml/2006/main">
+  <p:cSld>
+    <p:spTree>
+      <p:nvGrpSpPr>
+        <p:cNvPr id="1" name=""/>
+        <p:cNvGrpSpPr/>
+        <p:nvPr/>
+      </p:nvGrpSpPr>
+      <p:grpSpPr>
+        <a:xfrm>
+          <a:off x="0" y="0"/>
+          <a:ext cx="0" cy="0"/>
+          <a:chOff x="0" y="0"/>
+          <a:chExt cx="0" cy="0"/>
+        </a:xfrm>
+      </p:grpSpPr>
+      <p:sp>
+        <p:nvSpPr>
+          <p:cNvPr id="2" name="Title 1"/>
+          <p:cNvSpPr>
+            <a:spLocks noGrp="1"/>
+          </p:cNvSpPr>
+          <p:nvPr>
+            <p:ph type="title"/>
+          </p:nvPr>
+        </p:nvSpPr>
+        <p:spPr/>
+        <p:txBody>
+          <a:bodyPr/>
+          <a:lstStyle/>
+          <a:p>
+            <a:r>
+              <a:rPr lang="en-GB" dirty="0"/>
+              <a:t>Tibbles are nicer </a:t>
+            </a:r>
+            <a:r>
+              <a:rPr lang="en-GB" dirty="0" err="1"/>
+              <a:t>dataframes</a:t>
+            </a:r>
+            <a:endParaRPr lang="en-GB" dirty="0"/>
+          </a:p>
+        </p:txBody>
+      </p:sp>
+      <p:sp>
+        <p:nvSpPr>
+          <p:cNvPr id="4" name="Rectangle 3"/>
+          <p:cNvSpPr/>
+          <p:nvPr/>
+        </p:nvSpPr>
+        <p:spPr>
+          <a:xfrm>
+            <a:off x="1580071" y="2111232"/>
+            <a:ext cx="10856686" cy="3651064"/>
+          </a:xfrm>
+          <a:prstGeom prst="rect">
+            <a:avLst/>
+          </a:prstGeom>
+        </p:spPr>
+        <p:txBody>
+          <a:bodyPr wrap="square">
+            <a:spAutoFit/>
+          </a:bodyPr>
+          <a:lstStyle/>
+          <a:p>
+            <a:pPr latinLnBrk="1"/>
+            <a:r>
+              <a:rPr lang="en-GB" dirty="0">
+                <a:solidFill>
+                  <a:srgbClr val="0070C0"/>
+                </a:solidFill>
+                <a:latin typeface="Lucida Console" panose="020B0609040504020204" pitchFamily="49" charset="0"/>
+              </a:rPr>
+              <a:t>&gt; head(</a:t>
+            </a:r>
+            <a:r>
+              <a:rPr lang="en-GB" dirty="0" err="1">
+                <a:solidFill>
+                  <a:srgbClr val="0070C0"/>
+                </a:solidFill>
+                <a:latin typeface="Lucida Console" panose="020B0609040504020204" pitchFamily="49" charset="0"/>
+              </a:rPr>
+              <a:t>as_tibble</a:t>
+            </a:r>
+            <a:r>
+              <a:rPr lang="en-GB" dirty="0">
+                <a:solidFill>
+                  <a:srgbClr val="0070C0"/>
+                </a:solidFill>
+                <a:latin typeface="Lucida Console" panose="020B0609040504020204" pitchFamily="49" charset="0"/>
+              </a:rPr>
+              <a:t>(data))</a:t>
+            </a:r>
+          </a:p>
+          <a:p>
+            <a:pPr latinLnBrk="1"/>
+            <a:r>
+              <a:rPr lang="en-GB" dirty="0">
+                <a:solidFill>
+                  <a:schemeClr val="tx1">
+                    <a:lumMod val="50000"/>
+                    <a:lumOff val="50000"/>
+                  </a:schemeClr>
+                </a:solidFill>
+                <a:latin typeface="Lucida Console" panose="020B0609040504020204" pitchFamily="49" charset="0"/>
+              </a:rPr>
+              <a:t># A tibble: 6 x 12</a:t>
+            </a:r>
+          </a:p>
+          <a:p>
+            <a:pPr latinLnBrk="1"/>
+            <a:r>
+              <a:rPr lang="en-GB" dirty="0">
+                <a:latin typeface="Lucida Console" panose="020B0609040504020204" pitchFamily="49" charset="0"/>
+              </a:rPr>
+              <a:t>  Probe Chromosome  Start    End `Probe Strand` Feature ID    Description</a:t>
+            </a:r>
+          </a:p>
+          <a:p>
+            <a:pPr latinLnBrk="1"/>
+            <a:r>
+              <a:rPr lang="en-GB" dirty="0">
+                <a:latin typeface="Lucida Console" panose="020B0609040504020204" pitchFamily="49" charset="0"/>
+              </a:rPr>
+              <a:t>  </a:t>
+            </a:r>
+            <a:r>
+              <a:rPr lang="en-GB" i="1" dirty="0">
+                <a:solidFill>
+                  <a:schemeClr val="tx1">
+                    <a:lumMod val="50000"/>
+                    <a:lumOff val="50000"/>
+                  </a:schemeClr>
+                </a:solidFill>
+                <a:latin typeface="Lucida Console" panose="020B0609040504020204" pitchFamily="49" charset="0"/>
+              </a:rPr>
+              <a:t>&lt;</a:t>
+            </a:r>
+            <a:r>
+              <a:rPr lang="en-GB" i="1" dirty="0" err="1">
+                <a:solidFill>
+                  <a:schemeClr val="tx1">
+                    <a:lumMod val="50000"/>
+                    <a:lumOff val="50000"/>
+                  </a:schemeClr>
+                </a:solidFill>
+                <a:latin typeface="Lucida Console" panose="020B0609040504020204" pitchFamily="49" charset="0"/>
+              </a:rPr>
+              <a:t>chr</a:t>
+            </a:r>
+            <a:r>
+              <a:rPr lang="en-GB" i="1" dirty="0">
+                <a:solidFill>
+                  <a:schemeClr val="tx1">
+                    <a:lumMod val="50000"/>
+                    <a:lumOff val="50000"/>
+                  </a:schemeClr>
+                </a:solidFill>
+                <a:latin typeface="Lucida Console" panose="020B0609040504020204" pitchFamily="49" charset="0"/>
+              </a:rPr>
+              <a:t>&gt;</a:t>
+            </a:r>
+            <a:r>
+              <a:rPr lang="en-GB" dirty="0">
+                <a:solidFill>
+                  <a:schemeClr val="tx1">
+                    <a:lumMod val="50000"/>
+                    <a:lumOff val="50000"/>
+                  </a:schemeClr>
+                </a:solidFill>
+                <a:latin typeface="Lucida Console" panose="020B0609040504020204" pitchFamily="49" charset="0"/>
+              </a:rPr>
+              <a:t>      </a:t>
+            </a:r>
+            <a:r>
+              <a:rPr lang="en-GB" i="1" dirty="0">
+                <a:solidFill>
+                  <a:schemeClr val="tx1">
+                    <a:lumMod val="50000"/>
+                    <a:lumOff val="50000"/>
+                  </a:schemeClr>
+                </a:solidFill>
+                <a:latin typeface="Lucida Console" panose="020B0609040504020204" pitchFamily="49" charset="0"/>
+              </a:rPr>
+              <a:t>&lt;</a:t>
+            </a:r>
+            <a:r>
+              <a:rPr lang="en-GB" i="1" dirty="0" err="1">
+                <a:solidFill>
+                  <a:schemeClr val="tx1">
+                    <a:lumMod val="50000"/>
+                    <a:lumOff val="50000"/>
+                  </a:schemeClr>
+                </a:solidFill>
+                <a:latin typeface="Lucida Console" panose="020B0609040504020204" pitchFamily="49" charset="0"/>
+              </a:rPr>
+              <a:t>dbl</a:t>
+            </a:r>
+            <a:r>
+              <a:rPr lang="en-GB" i="1" dirty="0">
+                <a:solidFill>
+                  <a:schemeClr val="tx1">
+                    <a:lumMod val="50000"/>
+                    <a:lumOff val="50000"/>
+                  </a:schemeClr>
+                </a:solidFill>
+                <a:latin typeface="Lucida Console" panose="020B0609040504020204" pitchFamily="49" charset="0"/>
+              </a:rPr>
+              <a:t>&gt;</a:t>
+            </a:r>
+            <a:r>
+              <a:rPr lang="en-GB" dirty="0">
+                <a:solidFill>
+                  <a:schemeClr val="tx1">
+                    <a:lumMod val="50000"/>
+                    <a:lumOff val="50000"/>
+                  </a:schemeClr>
+                </a:solidFill>
+                <a:latin typeface="Lucida Console" panose="020B0609040504020204" pitchFamily="49" charset="0"/>
+              </a:rPr>
+              <a:t>  </a:t>
+            </a:r>
+            <a:r>
+              <a:rPr lang="en-GB" i="1" dirty="0">
+                <a:solidFill>
+                  <a:schemeClr val="tx1">
+                    <a:lumMod val="50000"/>
+                    <a:lumOff val="50000"/>
+                  </a:schemeClr>
+                </a:solidFill>
+                <a:latin typeface="Lucida Console" panose="020B0609040504020204" pitchFamily="49" charset="0"/>
+              </a:rPr>
+              <a:t>&lt;</a:t>
+            </a:r>
+            <a:r>
+              <a:rPr lang="en-GB" i="1" dirty="0" err="1">
+                <a:solidFill>
+                  <a:schemeClr val="tx1">
+                    <a:lumMod val="50000"/>
+                    <a:lumOff val="50000"/>
+                  </a:schemeClr>
+                </a:solidFill>
+                <a:latin typeface="Lucida Console" panose="020B0609040504020204" pitchFamily="49" charset="0"/>
+              </a:rPr>
+              <a:t>dbl</a:t>
+            </a:r>
+            <a:r>
+              <a:rPr lang="en-GB" i="1" dirty="0">
+                <a:solidFill>
+                  <a:schemeClr val="tx1">
+                    <a:lumMod val="50000"/>
+                    <a:lumOff val="50000"/>
+                  </a:schemeClr>
+                </a:solidFill>
+                <a:latin typeface="Lucida Console" panose="020B0609040504020204" pitchFamily="49" charset="0"/>
+              </a:rPr>
+              <a:t>&gt;</a:t>
+            </a:r>
+            <a:r>
+              <a:rPr lang="en-GB" dirty="0">
+                <a:solidFill>
+                  <a:schemeClr val="tx1">
+                    <a:lumMod val="50000"/>
+                    <a:lumOff val="50000"/>
+                  </a:schemeClr>
+                </a:solidFill>
+                <a:latin typeface="Lucida Console" panose="020B0609040504020204" pitchFamily="49" charset="0"/>
+              </a:rPr>
+              <a:t>  </a:t>
+            </a:r>
+            <a:r>
+              <a:rPr lang="en-GB" i="1" dirty="0">
+                <a:solidFill>
+                  <a:schemeClr val="tx1">
+                    <a:lumMod val="50000"/>
+                    <a:lumOff val="50000"/>
+                  </a:schemeClr>
+                </a:solidFill>
+                <a:latin typeface="Lucida Console" panose="020B0609040504020204" pitchFamily="49" charset="0"/>
+              </a:rPr>
+              <a:t>&lt;</a:t>
+            </a:r>
+            <a:r>
+              <a:rPr lang="en-GB" i="1" dirty="0" err="1">
+                <a:solidFill>
+                  <a:schemeClr val="tx1">
+                    <a:lumMod val="50000"/>
+                    <a:lumOff val="50000"/>
+                  </a:schemeClr>
+                </a:solidFill>
+                <a:latin typeface="Lucida Console" panose="020B0609040504020204" pitchFamily="49" charset="0"/>
+              </a:rPr>
+              <a:t>dbl</a:t>
+            </a:r>
+            <a:r>
+              <a:rPr lang="en-GB" i="1" dirty="0">
+                <a:solidFill>
+                  <a:schemeClr val="tx1">
+                    <a:lumMod val="50000"/>
+                    <a:lumOff val="50000"/>
+                  </a:schemeClr>
+                </a:solidFill>
+                <a:latin typeface="Lucida Console" panose="020B0609040504020204" pitchFamily="49" charset="0"/>
+              </a:rPr>
+              <a:t>&gt;</a:t>
+            </a:r>
+            <a:r>
+              <a:rPr lang="en-GB" dirty="0">
+                <a:solidFill>
+                  <a:schemeClr val="tx1">
+                    <a:lumMod val="50000"/>
+                    <a:lumOff val="50000"/>
+                  </a:schemeClr>
+                </a:solidFill>
+                <a:latin typeface="Lucida Console" panose="020B0609040504020204" pitchFamily="49" charset="0"/>
+              </a:rPr>
+              <a:t> </a:t>
+            </a:r>
+            <a:r>
+              <a:rPr lang="en-GB" i="1" dirty="0">
+                <a:solidFill>
+                  <a:schemeClr val="tx1">
+                    <a:lumMod val="50000"/>
+                    <a:lumOff val="50000"/>
+                  </a:schemeClr>
+                </a:solidFill>
+                <a:latin typeface="Lucida Console" panose="020B0609040504020204" pitchFamily="49" charset="0"/>
+              </a:rPr>
+              <a:t>&lt;</a:t>
+            </a:r>
+            <a:r>
+              <a:rPr lang="en-GB" i="1" dirty="0" err="1">
+                <a:solidFill>
+                  <a:schemeClr val="tx1">
+                    <a:lumMod val="50000"/>
+                    <a:lumOff val="50000"/>
+                  </a:schemeClr>
+                </a:solidFill>
+                <a:latin typeface="Lucida Console" panose="020B0609040504020204" pitchFamily="49" charset="0"/>
+              </a:rPr>
+              <a:t>chr</a:t>
+            </a:r>
+            <a:r>
+              <a:rPr lang="en-GB" i="1" dirty="0">
+                <a:solidFill>
+                  <a:schemeClr val="tx1">
+                    <a:lumMod val="50000"/>
+                    <a:lumOff val="50000"/>
+                  </a:schemeClr>
+                </a:solidFill>
+                <a:latin typeface="Lucida Console" panose="020B0609040504020204" pitchFamily="49" charset="0"/>
+              </a:rPr>
+              <a:t>&gt;</a:t>
+            </a:r>
+            <a:r>
+              <a:rPr lang="en-GB" dirty="0">
+                <a:solidFill>
+                  <a:schemeClr val="tx1">
+                    <a:lumMod val="50000"/>
+                    <a:lumOff val="50000"/>
+                  </a:schemeClr>
+                </a:solidFill>
+                <a:latin typeface="Lucida Console" panose="020B0609040504020204" pitchFamily="49" charset="0"/>
+              </a:rPr>
+              <a:t>          </a:t>
+            </a:r>
+            <a:r>
+              <a:rPr lang="en-GB" i="1" dirty="0">
+                <a:solidFill>
+                  <a:schemeClr val="tx1">
+                    <a:lumMod val="50000"/>
+                    <a:lumOff val="50000"/>
+                  </a:schemeClr>
+                </a:solidFill>
+                <a:latin typeface="Lucida Console" panose="020B0609040504020204" pitchFamily="49" charset="0"/>
+              </a:rPr>
+              <a:t>&lt;</a:t>
+            </a:r>
+            <a:r>
+              <a:rPr lang="en-GB" i="1" dirty="0" err="1">
+                <a:solidFill>
+                  <a:schemeClr val="tx1">
+                    <a:lumMod val="50000"/>
+                    <a:lumOff val="50000"/>
+                  </a:schemeClr>
+                </a:solidFill>
+                <a:latin typeface="Lucida Console" panose="020B0609040504020204" pitchFamily="49" charset="0"/>
+              </a:rPr>
+              <a:t>chr</a:t>
+            </a:r>
+            <a:r>
+              <a:rPr lang="en-GB" i="1" dirty="0">
+                <a:solidFill>
+                  <a:schemeClr val="tx1">
+                    <a:lumMod val="50000"/>
+                    <a:lumOff val="50000"/>
+                  </a:schemeClr>
+                </a:solidFill>
+                <a:latin typeface="Lucida Console" panose="020B0609040504020204" pitchFamily="49" charset="0"/>
+              </a:rPr>
+              <a:t>&gt;</a:t>
+            </a:r>
+            <a:r>
+              <a:rPr lang="en-GB" dirty="0">
+                <a:solidFill>
+                  <a:schemeClr val="tx1">
+                    <a:lumMod val="50000"/>
+                    <a:lumOff val="50000"/>
+                  </a:schemeClr>
+                </a:solidFill>
+                <a:latin typeface="Lucida Console" panose="020B0609040504020204" pitchFamily="49" charset="0"/>
+              </a:rPr>
+              <a:t>   </a:t>
+            </a:r>
+            <a:r>
+              <a:rPr lang="en-GB" i="1" dirty="0">
+                <a:solidFill>
+                  <a:schemeClr val="tx1">
+                    <a:lumMod val="50000"/>
+                    <a:lumOff val="50000"/>
+                  </a:schemeClr>
+                </a:solidFill>
+                <a:latin typeface="Lucida Console" panose="020B0609040504020204" pitchFamily="49" charset="0"/>
+              </a:rPr>
+              <a:t>&lt;</a:t>
+            </a:r>
+            <a:r>
+              <a:rPr lang="en-GB" i="1" dirty="0" err="1">
+                <a:solidFill>
+                  <a:schemeClr val="tx1">
+                    <a:lumMod val="50000"/>
+                    <a:lumOff val="50000"/>
+                  </a:schemeClr>
+                </a:solidFill>
+                <a:latin typeface="Lucida Console" panose="020B0609040504020204" pitchFamily="49" charset="0"/>
+              </a:rPr>
+              <a:t>chr</a:t>
+            </a:r>
+            <a:r>
+              <a:rPr lang="en-GB" i="1" dirty="0">
+                <a:solidFill>
+                  <a:schemeClr val="tx1">
+                    <a:lumMod val="50000"/>
+                    <a:lumOff val="50000"/>
+                  </a:schemeClr>
+                </a:solidFill>
+                <a:latin typeface="Lucida Console" panose="020B0609040504020204" pitchFamily="49" charset="0"/>
+              </a:rPr>
+              <a:t>&gt;</a:t>
+            </a:r>
+            <a:r>
+              <a:rPr lang="en-GB" dirty="0">
+                <a:solidFill>
+                  <a:schemeClr val="tx1">
+                    <a:lumMod val="50000"/>
+                    <a:lumOff val="50000"/>
+                  </a:schemeClr>
+                </a:solidFill>
+                <a:latin typeface="Lucida Console" panose="020B0609040504020204" pitchFamily="49" charset="0"/>
+              </a:rPr>
+              <a:t> </a:t>
+            </a:r>
+            <a:r>
+              <a:rPr lang="en-GB" i="1" dirty="0">
+                <a:solidFill>
+                  <a:schemeClr val="tx1">
+                    <a:lumMod val="50000"/>
+                    <a:lumOff val="50000"/>
+                  </a:schemeClr>
+                </a:solidFill>
+                <a:latin typeface="Lucida Console" panose="020B0609040504020204" pitchFamily="49" charset="0"/>
+              </a:rPr>
+              <a:t>&lt;</a:t>
+            </a:r>
+            <a:r>
+              <a:rPr lang="en-GB" i="1" dirty="0" err="1">
+                <a:solidFill>
+                  <a:schemeClr val="tx1">
+                    <a:lumMod val="50000"/>
+                    <a:lumOff val="50000"/>
+                  </a:schemeClr>
+                </a:solidFill>
+                <a:latin typeface="Lucida Console" panose="020B0609040504020204" pitchFamily="49" charset="0"/>
+              </a:rPr>
+              <a:t>chr</a:t>
+            </a:r>
+            <a:r>
+              <a:rPr lang="en-GB" i="1" dirty="0">
+                <a:solidFill>
+                  <a:schemeClr val="tx1">
+                    <a:lumMod val="50000"/>
+                    <a:lumOff val="50000"/>
+                  </a:schemeClr>
+                </a:solidFill>
+                <a:latin typeface="Lucida Console" panose="020B0609040504020204" pitchFamily="49" charset="0"/>
+              </a:rPr>
+              <a:t>&gt;</a:t>
+            </a:r>
+            <a:r>
+              <a:rPr lang="en-GB" dirty="0">
+                <a:solidFill>
+                  <a:schemeClr val="tx1">
+                    <a:lumMod val="50000"/>
+                    <a:lumOff val="50000"/>
+                  </a:schemeClr>
+                </a:solidFill>
+                <a:latin typeface="Lucida Console" panose="020B0609040504020204" pitchFamily="49" charset="0"/>
+              </a:rPr>
+              <a:t>      </a:t>
+            </a:r>
+          </a:p>
+          <a:p>
+            <a:pPr latinLnBrk="1"/>
+            <a:r>
+              <a:rPr lang="en-GB" dirty="0">
+                <a:latin typeface="Lucida Console" panose="020B0609040504020204" pitchFamily="49" charset="0"/>
+              </a:rPr>
+              <a:t>1 AL64~          1 9.11e5 9.15e5 +              AL6456~ ENSG~ novel </a:t>
+            </a:r>
+            <a:r>
+              <a:rPr lang="en-GB" dirty="0" err="1">
+                <a:latin typeface="Lucida Console" panose="020B0609040504020204" pitchFamily="49" charset="0"/>
+              </a:rPr>
+              <a:t>tran</a:t>
+            </a:r>
+            <a:r>
+              <a:rPr lang="en-GB" dirty="0">
+                <a:latin typeface="Lucida Console" panose="020B0609040504020204" pitchFamily="49" charset="0"/>
+              </a:rPr>
+              <a:t>~</a:t>
+            </a:r>
+          </a:p>
+          <a:p>
+            <a:pPr latinLnBrk="1"/>
+            <a:r>
+              <a:rPr lang="en-GB" dirty="0">
+                <a:latin typeface="Lucida Console" panose="020B0609040504020204" pitchFamily="49" charset="0"/>
+              </a:rPr>
+              <a:t>2 LINC~          1 9.17e5 9.21e5 -              LINC02~ ENSG~ long inter~</a:t>
+            </a:r>
+          </a:p>
+          <a:p>
+            <a:pPr latinLnBrk="1"/>
+            <a:r>
+              <a:rPr lang="en-GB" dirty="0">
+                <a:latin typeface="Lucida Console" panose="020B0609040504020204" pitchFamily="49" charset="0"/>
+              </a:rPr>
+              <a:t>3 SAMD~          1 9.24e5 9.45e5 +              SAMD11  ENSG~ sterile al~</a:t>
+            </a:r>
+          </a:p>
+          <a:p>
+            <a:pPr latinLnBrk="1"/>
+            <a:r>
+              <a:rPr lang="en-GB" dirty="0">
+                <a:latin typeface="Lucida Console" panose="020B0609040504020204" pitchFamily="49" charset="0"/>
+              </a:rPr>
+              <a:t>4 TMEM~          1 1.51e7 1.52e7 -              TMEM51~ ENSG~ TMEM51 ant~</a:t>
+            </a:r>
+          </a:p>
+          <a:p>
+            <a:pPr latinLnBrk="1"/>
+            <a:r>
+              <a:rPr lang="en-GB" dirty="0">
+                <a:latin typeface="Lucida Console" panose="020B0609040504020204" pitchFamily="49" charset="0"/>
+              </a:rPr>
+              <a:t>5 TMEM~          1 1.52e7 </a:t>
+            </a:r>
+            <a:r>
+              <a:rPr lang="en-GB" dirty="0" err="1">
+                <a:latin typeface="Lucida Console" panose="020B0609040504020204" pitchFamily="49" charset="0"/>
+              </a:rPr>
+              <a:t>1.52e7</a:t>
+            </a:r>
+            <a:r>
+              <a:rPr lang="en-GB" dirty="0">
+                <a:latin typeface="Lucida Console" panose="020B0609040504020204" pitchFamily="49" charset="0"/>
+              </a:rPr>
+              <a:t> +              TMEM51  ENSG~ </a:t>
+            </a:r>
+            <a:r>
+              <a:rPr lang="en-GB" dirty="0" err="1">
+                <a:latin typeface="Lucida Console" panose="020B0609040504020204" pitchFamily="49" charset="0"/>
+              </a:rPr>
+              <a:t>transmembr</a:t>
+            </a:r>
+            <a:r>
+              <a:rPr lang="en-GB" dirty="0">
+                <a:latin typeface="Lucida Console" panose="020B0609040504020204" pitchFamily="49" charset="0"/>
+              </a:rPr>
+              <a:t>~</a:t>
+            </a:r>
+          </a:p>
+          <a:p>
+            <a:pPr latinLnBrk="1"/>
+            <a:r>
+              <a:rPr lang="en-GB" dirty="0">
+                <a:latin typeface="Lucida Console" panose="020B0609040504020204" pitchFamily="49" charset="0"/>
+              </a:rPr>
+              <a:t>6 FHAD1          1 1.52e7 1.54e7 +              FHAD1   ENSG~ </a:t>
+            </a:r>
+            <a:r>
+              <a:rPr lang="en-GB" dirty="0" err="1">
+                <a:latin typeface="Lucida Console" panose="020B0609040504020204" pitchFamily="49" charset="0"/>
+              </a:rPr>
+              <a:t>forkhead</a:t>
+            </a:r>
+            <a:r>
+              <a:rPr lang="en-GB" dirty="0">
+                <a:latin typeface="Lucida Console" panose="020B0609040504020204" pitchFamily="49" charset="0"/>
+              </a:rPr>
+              <a:t> a~</a:t>
+            </a:r>
+          </a:p>
+          <a:p>
+            <a:pPr latinLnBrk="1"/>
+            <a:r>
+              <a:rPr lang="en-GB" dirty="0">
+                <a:solidFill>
+                  <a:schemeClr val="tx1">
+                    <a:lumMod val="50000"/>
+                    <a:lumOff val="50000"/>
+                  </a:schemeClr>
+                </a:solidFill>
+                <a:latin typeface="Lucida Console" panose="020B0609040504020204" pitchFamily="49" charset="0"/>
+              </a:rPr>
+              <a:t># ... with 4 more variables: `Feature Strand` </a:t>
+            </a:r>
+            <a:r>
+              <a:rPr lang="en-GB" i="1" dirty="0">
+                <a:solidFill>
+                  <a:schemeClr val="tx1">
+                    <a:lumMod val="50000"/>
+                    <a:lumOff val="50000"/>
+                  </a:schemeClr>
+                </a:solidFill>
+                <a:latin typeface="Lucida Console" panose="020B0609040504020204" pitchFamily="49" charset="0"/>
+              </a:rPr>
+              <a:t>&lt;</a:t>
+            </a:r>
+            <a:r>
+              <a:rPr lang="en-GB" i="1" dirty="0" err="1">
+                <a:solidFill>
+                  <a:schemeClr val="tx1">
+                    <a:lumMod val="50000"/>
+                    <a:lumOff val="50000"/>
+                  </a:schemeClr>
+                </a:solidFill>
+                <a:latin typeface="Lucida Console" panose="020B0609040504020204" pitchFamily="49" charset="0"/>
+              </a:rPr>
+              <a:t>chr</a:t>
+            </a:r>
+            <a:r>
+              <a:rPr lang="en-GB" i="1" dirty="0">
+                <a:solidFill>
+                  <a:schemeClr val="tx1">
+                    <a:lumMod val="50000"/>
+                    <a:lumOff val="50000"/>
+                  </a:schemeClr>
+                </a:solidFill>
+                <a:latin typeface="Lucida Console" panose="020B0609040504020204" pitchFamily="49" charset="0"/>
+              </a:rPr>
+              <a:t>&gt;</a:t>
+            </a:r>
+            <a:r>
+              <a:rPr lang="en-GB" dirty="0">
+                <a:solidFill>
+                  <a:schemeClr val="tx1">
+                    <a:lumMod val="50000"/>
+                    <a:lumOff val="50000"/>
+                  </a:schemeClr>
+                </a:solidFill>
+                <a:latin typeface="Lucida Console" panose="020B0609040504020204" pitchFamily="49" charset="0"/>
+              </a:rPr>
+              <a:t>, Type </a:t>
+            </a:r>
+            <a:r>
+              <a:rPr lang="en-GB" i="1" dirty="0">
+                <a:solidFill>
+                  <a:schemeClr val="tx1">
+                    <a:lumMod val="50000"/>
+                    <a:lumOff val="50000"/>
+                  </a:schemeClr>
+                </a:solidFill>
+                <a:latin typeface="Lucida Console" panose="020B0609040504020204" pitchFamily="49" charset="0"/>
+              </a:rPr>
+              <a:t>&lt;</a:t>
+            </a:r>
+            <a:r>
+              <a:rPr lang="en-GB" i="1" dirty="0" err="1">
+                <a:solidFill>
+                  <a:schemeClr val="tx1">
+                    <a:lumMod val="50000"/>
+                    <a:lumOff val="50000"/>
+                  </a:schemeClr>
+                </a:solidFill>
+                <a:latin typeface="Lucida Console" panose="020B0609040504020204" pitchFamily="49" charset="0"/>
+              </a:rPr>
+              <a:t>chr</a:t>
+            </a:r>
+            <a:r>
+              <a:rPr lang="en-GB" i="1" dirty="0">
+                <a:solidFill>
+                  <a:schemeClr val="tx1">
+                    <a:lumMod val="50000"/>
+                    <a:lumOff val="50000"/>
+                  </a:schemeClr>
+                </a:solidFill>
+                <a:latin typeface="Lucida Console" panose="020B0609040504020204" pitchFamily="49" charset="0"/>
+              </a:rPr>
+              <a:t>&gt;</a:t>
+            </a:r>
+            <a:r>
+              <a:rPr lang="en-GB" dirty="0">
+                <a:solidFill>
+                  <a:schemeClr val="tx1">
+                    <a:lumMod val="50000"/>
+                    <a:lumOff val="50000"/>
+                  </a:schemeClr>
+                </a:solidFill>
+                <a:latin typeface="Lucida Console" panose="020B0609040504020204" pitchFamily="49" charset="0"/>
+              </a:rPr>
+              <a:t>, `Feature</a:t>
+            </a:r>
+          </a:p>
+          <a:p>
+            <a:pPr latinLnBrk="1"/>
+            <a:r>
+              <a:rPr lang="en-GB" dirty="0">
+                <a:solidFill>
+                  <a:schemeClr val="tx1">
+                    <a:lumMod val="50000"/>
+                    <a:lumOff val="50000"/>
+                  </a:schemeClr>
+                </a:solidFill>
+                <a:latin typeface="Lucida Console" panose="020B0609040504020204" pitchFamily="49" charset="0"/>
+              </a:rPr>
+              <a:t>#   Orientation` </a:t>
+            </a:r>
+            <a:r>
+              <a:rPr lang="en-GB" i="1" dirty="0">
+                <a:solidFill>
+                  <a:schemeClr val="tx1">
+                    <a:lumMod val="50000"/>
+                    <a:lumOff val="50000"/>
+                  </a:schemeClr>
+                </a:solidFill>
+                <a:latin typeface="Lucida Console" panose="020B0609040504020204" pitchFamily="49" charset="0"/>
+              </a:rPr>
+              <a:t>&lt;</a:t>
+            </a:r>
+            <a:r>
+              <a:rPr lang="en-GB" i="1" dirty="0" err="1">
+                <a:solidFill>
+                  <a:schemeClr val="tx1">
+                    <a:lumMod val="50000"/>
+                    <a:lumOff val="50000"/>
+                  </a:schemeClr>
+                </a:solidFill>
+                <a:latin typeface="Lucida Console" panose="020B0609040504020204" pitchFamily="49" charset="0"/>
+              </a:rPr>
+              <a:t>chr</a:t>
+            </a:r>
+            <a:r>
+              <a:rPr lang="en-GB" i="1" dirty="0">
+                <a:solidFill>
+                  <a:schemeClr val="tx1">
+                    <a:lumMod val="50000"/>
+                    <a:lumOff val="50000"/>
+                  </a:schemeClr>
+                </a:solidFill>
+                <a:latin typeface="Lucida Console" panose="020B0609040504020204" pitchFamily="49" charset="0"/>
+              </a:rPr>
+              <a:t>&gt;</a:t>
+            </a:r>
+            <a:r>
+              <a:rPr lang="en-GB" dirty="0">
+                <a:solidFill>
+                  <a:schemeClr val="tx1">
+                    <a:lumMod val="50000"/>
+                    <a:lumOff val="50000"/>
+                  </a:schemeClr>
+                </a:solidFill>
+                <a:latin typeface="Lucida Console" panose="020B0609040504020204" pitchFamily="49" charset="0"/>
+              </a:rPr>
+              <a:t>, Distance </a:t>
+            </a:r>
+            <a:r>
+              <a:rPr lang="en-GB" i="1" dirty="0">
+                <a:solidFill>
+                  <a:schemeClr val="tx1">
+                    <a:lumMod val="50000"/>
+                    <a:lumOff val="50000"/>
+                  </a:schemeClr>
+                </a:solidFill>
+                <a:latin typeface="Lucida Console" panose="020B0609040504020204" pitchFamily="49" charset="0"/>
+              </a:rPr>
+              <a:t>&lt;</a:t>
+            </a:r>
+            <a:r>
+              <a:rPr lang="en-GB" i="1" dirty="0" err="1">
+                <a:solidFill>
+                  <a:schemeClr val="tx1">
+                    <a:lumMod val="50000"/>
+                    <a:lumOff val="50000"/>
+                  </a:schemeClr>
+                </a:solidFill>
+                <a:latin typeface="Lucida Console" panose="020B0609040504020204" pitchFamily="49" charset="0"/>
+              </a:rPr>
+              <a:t>dbl</a:t>
+            </a:r>
+            <a:r>
+              <a:rPr lang="en-GB" i="1" dirty="0">
+                <a:solidFill>
+                  <a:schemeClr val="tx1">
+                    <a:lumMod val="50000"/>
+                    <a:lumOff val="50000"/>
+                  </a:schemeClr>
+                </a:solidFill>
+                <a:latin typeface="Lucida Console" panose="020B0609040504020204" pitchFamily="49" charset="0"/>
+              </a:rPr>
+              <a:t>&gt;</a:t>
+            </a:r>
+            <a:endParaRPr lang="en-GB" dirty="0">
+              <a:solidFill>
+                <a:schemeClr val="tx1">
+                  <a:lumMod val="50000"/>
+                  <a:lumOff val="50000"/>
+                </a:schemeClr>
+              </a:solidFill>
+              <a:latin typeface="Lucida Console" panose="020B0609040504020204" pitchFamily="49" charset="0"/>
+            </a:endParaRPr>
+          </a:p>
+          <a:p>
+            <a:pPr latinLnBrk="1">
+              <a:lnSpc>
+                <a:spcPct val="120000"/>
+              </a:lnSpc>
+              <a:tabLst>
+                <a:tab pos="581660" algn="l"/>
+                <a:tab pos="1163320" algn="l"/>
+                <a:tab pos="1744980" algn="l"/>
+                <a:tab pos="2326640" algn="l"/>
+                <a:tab pos="2908300" algn="l"/>
+                <a:tab pos="3489960" algn="l"/>
+                <a:tab pos="4071620" algn="l"/>
+                <a:tab pos="4653280" algn="l"/>
+                <a:tab pos="5234940" algn="l"/>
+                <a:tab pos="5816600" algn="l"/>
+                <a:tab pos="6398260" algn="l"/>
+                <a:tab pos="6979920" algn="l"/>
+                <a:tab pos="7561580" algn="l"/>
+                <a:tab pos="8143240" algn="l"/>
+                <a:tab pos="8724900" algn="l"/>
+                <a:tab pos="9306560" algn="l"/>
+              </a:tabLst>
+            </a:pPr>
+            <a:endParaRPr lang="en-GB" sz="1400" dirty="0">
+              <a:latin typeface="Lucida Console" panose="020B0609040504020204" pitchFamily="49" charset="0"/>
+              <a:ea typeface="Times New Roman" panose="02020603050405020304" pitchFamily="18" charset="0"/>
+              <a:cs typeface="Times New Roman" panose="02020603050405020304" pitchFamily="18" charset="0"/>
+            </a:endParaRPr>
+          </a:p>
+        </p:txBody>
+      </p:sp>
+    </p:spTree>
+    <p:extLst>
+      <p:ext uri="{BB962C8B-B14F-4D97-AF65-F5344CB8AC3E}">
+        <p14:creationId xmlns:p14="http://schemas.microsoft.com/office/powerpoint/2010/main" val="978159765"/>
+      </p:ext>
+    </p:extLst>
+  </p:cSld>
+  <p:clrMapOvr>
+    <a:masterClrMapping/>
+  </p:clrMapOvr>
+</p:sld>
+</file>
+
+<file path=ppt/slides/slide11.xml><?xml version="1.0" encoding="utf-8"?>
+<p:sld xmlns:a="http://schemas.openxmlformats.org/drawingml/2006/main" xmlns:r="http://schemas.openxmlformats.org/officeDocument/2006/relationships" xmlns:p="http://schemas.openxmlformats.org/presentationml/2006/main">
+  <p:cSld>
+    <p:spTree>
+      <p:nvGrpSpPr>
+        <p:cNvPr id="1" name=""/>
+        <p:cNvGrpSpPr/>
+        <p:nvPr/>
+      </p:nvGrpSpPr>
+      <p:grpSpPr>
+        <a:xfrm>
+          <a:off x="0" y="0"/>
+          <a:ext cx="0" cy="0"/>
+          <a:chOff x="0" y="0"/>
+          <a:chExt cx="0" cy="0"/>
+        </a:xfrm>
+      </p:grpSpPr>
+      <p:sp>
+        <p:nvSpPr>
+          <p:cNvPr id="2" name="Title 1"/>
+          <p:cNvSpPr>
+            <a:spLocks noGrp="1"/>
+          </p:cNvSpPr>
+          <p:nvPr>
+            <p:ph type="title"/>
+          </p:nvPr>
+        </p:nvSpPr>
+        <p:spPr/>
+        <p:txBody>
+          <a:bodyPr>
+            <a:normAutofit fontScale="90000"/>
+          </a:bodyPr>
+          <a:lstStyle/>
+          <a:p>
+            <a:r>
+              <a:rPr lang="en-GB" dirty="0"/>
+              <a:t>Code structure of a ggplot graph</a:t>
+            </a:r>
+            <a:endParaRPr lang="en-GB" dirty="0">
+              <a:latin typeface="Lucida Console" panose="020B0609040504020204" pitchFamily="49" charset="0"/>
+            </a:endParaRPr>
+          </a:p>
+        </p:txBody>
+      </p:sp>
+      <p:sp>
+        <p:nvSpPr>
+          <p:cNvPr id="3" name="Content Placeholder 2"/>
+          <p:cNvSpPr>
+            <a:spLocks noGrp="1"/>
+          </p:cNvSpPr>
+          <p:nvPr>
+            <p:ph idx="1"/>
+          </p:nvPr>
+        </p:nvSpPr>
+        <p:spPr/>
+        <p:txBody>
+          <a:bodyPr/>
+          <a:lstStyle/>
+          <a:p>
+            <a:r>
+              <a:rPr lang="en-GB" dirty="0"/>
+              <a:t>Start with a call to </a:t>
+            </a:r>
+            <a:r>
+              <a:rPr lang="en-GB" dirty="0">
+                <a:latin typeface="Lucida Console" panose="020B0609040504020204" pitchFamily="49" charset="0"/>
+              </a:rPr>
+              <a:t>ggplot()</a:t>
+            </a:r>
+          </a:p>
+          <a:p>
+            <a:pPr lvl="1"/>
+            <a:r>
+              <a:rPr lang="en-GB" dirty="0"/>
+              <a:t>Pass the tibble of data</a:t>
+            </a:r>
+          </a:p>
+          <a:p>
+            <a:pPr lvl="1"/>
+            <a:r>
+              <a:rPr lang="en-GB" dirty="0"/>
+              <a:t>Say which columns you want to use</a:t>
+            </a:r>
+          </a:p>
+          <a:p>
+            <a:endParaRPr lang="en-GB" dirty="0"/>
+          </a:p>
+          <a:p>
+            <a:r>
+              <a:rPr lang="en-GB" dirty="0"/>
+              <a:t>Say which graphical representation you want to use</a:t>
+            </a:r>
+          </a:p>
+          <a:p>
+            <a:pPr lvl="1"/>
+            <a:r>
+              <a:rPr lang="en-GB" dirty="0"/>
+              <a:t>Points, lines, </a:t>
+            </a:r>
+            <a:r>
+              <a:rPr lang="en-GB" dirty="0" err="1"/>
+              <a:t>barplots</a:t>
+            </a:r>
+            <a:r>
+              <a:rPr lang="en-GB" dirty="0"/>
+              <a:t> </a:t>
+            </a:r>
+            <a:r>
+              <a:rPr lang="en-GB" dirty="0" err="1"/>
+              <a:t>etc</a:t>
+            </a:r>
+            <a:endParaRPr lang="en-GB" dirty="0"/>
+          </a:p>
+          <a:p>
+            <a:pPr lvl="1"/>
+            <a:endParaRPr lang="en-GB" dirty="0"/>
+          </a:p>
+          <a:p>
+            <a:r>
+              <a:rPr lang="en-GB" dirty="0"/>
+              <a:t>Customise labels, colours annotations etc.</a:t>
+            </a:r>
+          </a:p>
+        </p:txBody>
+      </p:sp>
+    </p:spTree>
+    <p:extLst>
+      <p:ext uri="{BB962C8B-B14F-4D97-AF65-F5344CB8AC3E}">
+        <p14:creationId xmlns:p14="http://schemas.microsoft.com/office/powerpoint/2010/main" val="3181835836"/>
+      </p:ext>
+    </p:extLst>
+  </p:cSld>
+  <p:clrMapOvr>
+    <a:masterClrMapping/>
+  </p:clrMapOvr>
+  <p:timing>
+    <p:tnLst>
+      <p:par>
+        <p:cTn id="1" dur="indefinite" restart="never" nodeType="tmRoot">
+          <p:childTnLst>
+            <p:seq concurrent="1" nextAc="seek">
+              <p:cTn id="2" dur="indefinite" nodeType="mainSeq">
+                <p:childTnLst>
+                  <p:par>
+                    <p:cTn id="3" fill="hold">
+                      <p:stCondLst>
+                        <p:cond delay="indefinite"/>
+                      </p:stCondLst>
+                      <p:childTnLst>
+                        <p:par>
+                          <p:cTn id="4" fill="hold">
+                            <p:stCondLst>
+                              <p:cond delay="0"/>
+                            </p:stCondLst>
+                            <p:childTnLst>
+                              <p:par>
+                                <p:cTn id="5" presetID="10" presetClass="entr" presetSubtype="0" fill="hold" nodeType="clickEffect">
+                                  <p:stCondLst>
+                                    <p:cond delay="0"/>
+                                  </p:stCondLst>
+                                  <p:childTnLst>
+                                    <p:set>
+                                      <p:cBhvr>
+                                        <p:cTn id="6" dur="1" fill="hold">
+                                          <p:stCondLst>
+                                            <p:cond delay="0"/>
+                                          </p:stCondLst>
+                                        </p:cTn>
+                                        <p:tgtEl>
+                                          <p:spTgt spid="3">
+                                            <p:txEl>
+                                              <p:pRg st="0" end="0"/>
+                                            </p:txEl>
+                                          </p:spTgt>
+                                        </p:tgtEl>
+                                        <p:attrNameLst>
+                                          <p:attrName>style.visibility</p:attrName>
+                                        </p:attrNameLst>
+                                      </p:cBhvr>
+                                      <p:to>
+                                        <p:strVal val="visible"/>
+                                      </p:to>
+                                    </p:set>
+                                    <p:animEffect transition="in" filter="fade">
+                                      <p:cBhvr>
+                                        <p:cTn id="7" dur="500"/>
+                                        <p:tgtEl>
+                                          <p:spTgt spid="3">
+                                            <p:txEl>
+                                              <p:pRg st="0" end="0"/>
+                                            </p:txEl>
+                                          </p:spTgt>
+                                        </p:tgtEl>
+                                      </p:cBhvr>
+                                    </p:animEffect>
+                                  </p:childTnLst>
+                                </p:cTn>
+                              </p:par>
+                              <p:par>
+                                <p:cTn id="8" presetID="10" presetClass="entr" presetSubtype="0" fill="hold" nodeType="withEffect">
+                                  <p:stCondLst>
+                                    <p:cond delay="0"/>
+                                  </p:stCondLst>
+                                  <p:childTnLst>
+                                    <p:set>
+                                      <p:cBhvr>
+                                        <p:cTn id="9" dur="1" fill="hold">
+                                          <p:stCondLst>
+                                            <p:cond delay="0"/>
+                                          </p:stCondLst>
+                                        </p:cTn>
+                                        <p:tgtEl>
+                                          <p:spTgt spid="3">
+                                            <p:txEl>
+                                              <p:pRg st="1" end="1"/>
+                                            </p:txEl>
+                                          </p:spTgt>
+                                        </p:tgtEl>
+                                        <p:attrNameLst>
+                                          <p:attrName>style.visibility</p:attrName>
+                                        </p:attrNameLst>
+                                      </p:cBhvr>
+                                      <p:to>
+                                        <p:strVal val="visible"/>
+                                      </p:to>
+                                    </p:set>
+                                    <p:animEffect transition="in" filter="fade">
+                                      <p:cBhvr>
+                                        <p:cTn id="10" dur="500"/>
+                                        <p:tgtEl>
+                                          <p:spTgt spid="3">
+                                            <p:txEl>
+                                              <p:pRg st="1" end="1"/>
+                                            </p:txEl>
+                                          </p:spTgt>
+                                        </p:tgtEl>
+                                      </p:cBhvr>
+                                    </p:animEffect>
+                                  </p:childTnLst>
+                                </p:cTn>
+                              </p:par>
+                              <p:par>
+                                <p:cTn id="11" presetID="10" presetClass="entr" presetSubtype="0" fill="hold" nodeType="withEffect">
+                                  <p:stCondLst>
+                                    <p:cond delay="0"/>
+                                  </p:stCondLst>
+                                  <p:childTnLst>
+                                    <p:set>
+                                      <p:cBhvr>
+                                        <p:cTn id="12" dur="1" fill="hold">
+                                          <p:stCondLst>
+                                            <p:cond delay="0"/>
+                                          </p:stCondLst>
+                                        </p:cTn>
+                                        <p:tgtEl>
+                                          <p:spTgt spid="3">
+                                            <p:txEl>
+                                              <p:pRg st="2" end="2"/>
+                                            </p:txEl>
+                                          </p:spTgt>
+                                        </p:tgtEl>
+                                        <p:attrNameLst>
+                                          <p:attrName>style.visibility</p:attrName>
+                                        </p:attrNameLst>
+                                      </p:cBhvr>
+                                      <p:to>
+                                        <p:strVal val="visible"/>
+                                      </p:to>
+                                    </p:set>
+                                    <p:animEffect transition="in" filter="fade">
+                                      <p:cBhvr>
+                                        <p:cTn id="13" dur="500"/>
+                                        <p:tgtEl>
+                                          <p:spTgt spid="3">
+                                            <p:txEl>
+                                              <p:pRg st="2" end="2"/>
+                                            </p:txEl>
+                                          </p:spTgt>
+                                        </p:tgtEl>
+                                      </p:cBhvr>
+                                    </p:animEffect>
+                                  </p:childTnLst>
+                                </p:cTn>
+                              </p:par>
+                            </p:childTnLst>
+                          </p:cTn>
+                        </p:par>
+                      </p:childTnLst>
+                    </p:cTn>
+                  </p:par>
+                  <p:par>
+                    <p:cTn id="14" fill="hold">
+                      <p:stCondLst>
+                        <p:cond delay="indefinite"/>
+                      </p:stCondLst>
+                      <p:childTnLst>
+                        <p:par>
+                          <p:cTn id="15" fill="hold">
+                            <p:stCondLst>
+                              <p:cond delay="0"/>
+                            </p:stCondLst>
+                            <p:childTnLst>
+                              <p:par>
+                                <p:cTn id="16" presetID="10" presetClass="entr" presetSubtype="0" fill="hold" nodeType="clickEffect">
+                                  <p:stCondLst>
+                                    <p:cond delay="0"/>
+                                  </p:stCondLst>
+                                  <p:childTnLst>
+                                    <p:set>
+                                      <p:cBhvr>
+                                        <p:cTn id="17" dur="1" fill="hold">
+                                          <p:stCondLst>
+                                            <p:cond delay="0"/>
+                                          </p:stCondLst>
+                                        </p:cTn>
+                                        <p:tgtEl>
+                                          <p:spTgt spid="3">
+                                            <p:txEl>
+                                              <p:pRg st="4" end="4"/>
+                                            </p:txEl>
+                                          </p:spTgt>
+                                        </p:tgtEl>
+                                        <p:attrNameLst>
+                                          <p:attrName>style.visibility</p:attrName>
+                                        </p:attrNameLst>
+                                      </p:cBhvr>
+                                      <p:to>
+                                        <p:strVal val="visible"/>
+                                      </p:to>
+                                    </p:set>
+                                    <p:animEffect transition="in" filter="fade">
+                                      <p:cBhvr>
+                                        <p:cTn id="18" dur="500"/>
+                                        <p:tgtEl>
+                                          <p:spTgt spid="3">
+                                            <p:txEl>
+                                              <p:pRg st="4" end="4"/>
+                                            </p:txEl>
+                                          </p:spTgt>
+                                        </p:tgtEl>
+                                      </p:cBhvr>
+                                    </p:animEffect>
+                                  </p:childTnLst>
+                                </p:cTn>
+                              </p:par>
+                              <p:par>
+                                <p:cTn id="19" presetID="10" presetClass="entr" presetSubtype="0" fill="hold" nodeType="withEffect">
+                                  <p:stCondLst>
+                                    <p:cond delay="0"/>
+                                  </p:stCondLst>
+                                  <p:childTnLst>
+                                    <p:set>
+                                      <p:cBhvr>
+                                        <p:cTn id="20" dur="1" fill="hold">
+                                          <p:stCondLst>
+                                            <p:cond delay="0"/>
+                                          </p:stCondLst>
+                                        </p:cTn>
+                                        <p:tgtEl>
+                                          <p:spTgt spid="3">
+                                            <p:txEl>
+                                              <p:pRg st="5" end="5"/>
+                                            </p:txEl>
+                                          </p:spTgt>
+                                        </p:tgtEl>
+                                        <p:attrNameLst>
+                                          <p:attrName>style.visibility</p:attrName>
+                                        </p:attrNameLst>
+                                      </p:cBhvr>
+                                      <p:to>
+                                        <p:strVal val="visible"/>
+                                      </p:to>
+                                    </p:set>
+                                    <p:animEffect transition="in" filter="fade">
+                                      <p:cBhvr>
+                                        <p:cTn id="21" dur="500"/>
+                                        <p:tgtEl>
+                                          <p:spTgt spid="3">
+                                            <p:txEl>
+                                              <p:pRg st="5" end="5"/>
+                                            </p:txEl>
+                                          </p:spTgt>
+                                        </p:tgtEl>
+                                      </p:cBhvr>
+                                    </p:animEffect>
+                                  </p:childTnLst>
+                                </p:cTn>
+                              </p:par>
+                            </p:childTnLst>
+                          </p:cTn>
+                        </p:par>
+                      </p:childTnLst>
+                    </p:cTn>
+                  </p:par>
+                  <p:par>
+                    <p:cTn id="22" fill="hold">
+                      <p:stCondLst>
+                        <p:cond delay="indefinite"/>
+                      </p:stCondLst>
+                      <p:childTnLst>
+                        <p:par>
+                          <p:cTn id="23" fill="hold">
+                            <p:stCondLst>
+                              <p:cond delay="0"/>
+                            </p:stCondLst>
+                            <p:childTnLst>
+                              <p:par>
+                                <p:cTn id="24" presetID="10" presetClass="entr" presetSubtype="0" fill="hold" nodeType="clickEffect">
+                                  <p:stCondLst>
+                                    <p:cond delay="0"/>
+                                  </p:stCondLst>
+                                  <p:childTnLst>
+                                    <p:set>
+                                      <p:cBhvr>
+                                        <p:cTn id="25" dur="1" fill="hold">
+                                          <p:stCondLst>
+                                            <p:cond delay="0"/>
+                                          </p:stCondLst>
+                                        </p:cTn>
+                                        <p:tgtEl>
+                                          <p:spTgt spid="3">
+                                            <p:txEl>
+                                              <p:pRg st="7" end="7"/>
+                                            </p:txEl>
+                                          </p:spTgt>
+                                        </p:tgtEl>
+                                        <p:attrNameLst>
+                                          <p:attrName>style.visibility</p:attrName>
+                                        </p:attrNameLst>
+                                      </p:cBhvr>
+                                      <p:to>
+                                        <p:strVal val="visible"/>
+                                      </p:to>
+                                    </p:set>
+                                    <p:animEffect transition="in" filter="fade">
+                                      <p:cBhvr>
+                                        <p:cTn id="26" dur="500"/>
+                                        <p:tgtEl>
+                                          <p:spTgt spid="3">
+                                            <p:txEl>
+                                              <p:pRg st="7" end="7"/>
+                                            </p:txEl>
+                                          </p:spTgt>
+                                        </p:tgtEl>
+                                      </p:cBhvr>
+                                    </p:animEffect>
+                                  </p:childTnLst>
+                                </p:cTn>
+                              </p:par>
+                            </p:childTnLst>
+                          </p:cTn>
+                        </p:par>
+                      </p:childTnLst>
+                    </p:cTn>
+                  </p:par>
+                </p:childTnLst>
+              </p:cTn>
+              <p:prevCondLst>
+                <p:cond evt="onPrev" delay="0">
+                  <p:tgtEl>
+                    <p:sldTgt/>
+                  </p:tgtEl>
+                </p:cond>
+              </p:prevCondLst>
+              <p:nextCondLst>
+                <p:cond evt="onNext" delay="0">
+                  <p:tgtEl>
+                    <p:sldTgt/>
+                  </p:tgtEl>
+                </p:cond>
+              </p:nextCondLst>
+            </p:seq>
+          </p:childTnLst>
+        </p:cTn>
+      </p:par>
+    </p:tnLst>
+  </p:timing>
+</p:sld>
+</file>
+
+<file path=ppt/slides/slide12.xml><?xml version="1.0" encoding="utf-8"?>
 <p:sld xmlns:a="http://schemas.openxmlformats.org/drawingml/2006/main" xmlns:r="http://schemas.openxmlformats.org/officeDocument/2006/relationships" xmlns:p="http://schemas.openxmlformats.org/presentationml/2006/main">
   <p:cSld>
     <p:spTree>
@@ -2605,7 +3964,7 @@
 </p:sld>
 </file>
 
-<file path=ppt/slides/slide11.xml><?xml version="1.0" encoding="utf-8"?>
+<file path=ppt/slides/slide13.xml><?xml version="1.0" encoding="utf-8"?>
 <p:sld xmlns:a="http://schemas.openxmlformats.org/drawingml/2006/main" xmlns:r="http://schemas.openxmlformats.org/officeDocument/2006/relationships" xmlns:p="http://schemas.openxmlformats.org/presentationml/2006/main">
   <p:cSld>
     <p:spTree>
@@ -3143,6 +4502,86 @@
           </a:p>
         </p:txBody>
       </p:sp>
+      <p:sp>
+        <p:nvSpPr>
+          <p:cNvPr id="4" name="TextBox 3">
+            <a:extLst>
+              <a:ext uri="{FF2B5EF4-FFF2-40B4-BE49-F238E27FC236}">
+                <a16:creationId xmlns:a16="http://schemas.microsoft.com/office/drawing/2014/main" id="{0F9ABE82-5652-142D-27AD-CF8DC1D1EE65}"/>
+              </a:ext>
+            </a:extLst>
+          </p:cNvPr>
+          <p:cNvSpPr txBox="1"/>
+          <p:nvPr/>
+        </p:nvSpPr>
+        <p:spPr>
+          <a:xfrm>
+            <a:off x="10391775" y="5662671"/>
+            <a:ext cx="1488685" cy="461665"/>
+          </a:xfrm>
+          <a:prstGeom prst="rect">
+            <a:avLst/>
+          </a:prstGeom>
+          <a:noFill/>
+        </p:spPr>
+        <p:txBody>
+          <a:bodyPr wrap="square" rtlCol="0">
+            <a:spAutoFit/>
+          </a:bodyPr>
+          <a:lstStyle/>
+          <a:p>
+            <a:r>
+              <a:rPr lang="en-US" sz="2400" b="1" dirty="0" err="1"/>
+              <a:t>Visualise</a:t>
+            </a:r>
+            <a:endParaRPr lang="en-NZ" b="1" dirty="0"/>
+          </a:p>
+        </p:txBody>
+      </p:sp>
+      <p:cxnSp>
+        <p:nvCxnSpPr>
+          <p:cNvPr id="14" name="Straight Arrow Connector 13">
+            <a:extLst>
+              <a:ext uri="{FF2B5EF4-FFF2-40B4-BE49-F238E27FC236}">
+                <a16:creationId xmlns:a16="http://schemas.microsoft.com/office/drawing/2014/main" id="{96C58264-23CE-CDF8-B382-83810FD845B7}"/>
+              </a:ext>
+            </a:extLst>
+          </p:cNvPr>
+          <p:cNvCxnSpPr>
+            <a:cxnSpLocks/>
+          </p:cNvCxnSpPr>
+          <p:nvPr/>
+        </p:nvCxnSpPr>
+        <p:spPr>
+          <a:xfrm flipH="1" flipV="1">
+            <a:off x="9912096" y="4611131"/>
+            <a:ext cx="1069330" cy="1051540"/>
+          </a:xfrm>
+          <a:prstGeom prst="straightConnector1">
+            <a:avLst/>
+          </a:prstGeom>
+          <a:ln>
+            <a:solidFill>
+              <a:schemeClr val="tx1"/>
+            </a:solidFill>
+            <a:tailEnd type="triangle"/>
+          </a:ln>
+        </p:spPr>
+        <p:style>
+          <a:lnRef idx="1">
+            <a:schemeClr val="accent1"/>
+          </a:lnRef>
+          <a:fillRef idx="0">
+            <a:schemeClr val="accent1"/>
+          </a:fillRef>
+          <a:effectRef idx="0">
+            <a:schemeClr val="accent1"/>
+          </a:effectRef>
+          <a:fontRef idx="minor">
+            <a:schemeClr val="tx1"/>
+          </a:fontRef>
+        </p:style>
+      </p:cxnSp>
     </p:spTree>
     <p:extLst>
       <p:ext uri="{BB962C8B-B14F-4D97-AF65-F5344CB8AC3E}">
@@ -3156,7 +4595,7 @@
 </p:sld>
 </file>
 
-<file path=ppt/slides/slide12.xml><?xml version="1.0" encoding="utf-8"?>
+<file path=ppt/slides/slide14.xml><?xml version="1.0" encoding="utf-8"?>
 <p:sld xmlns:a="http://schemas.openxmlformats.org/drawingml/2006/main" xmlns:r="http://schemas.openxmlformats.org/officeDocument/2006/relationships" xmlns:p="http://schemas.openxmlformats.org/presentationml/2006/main">
   <p:cSld>
     <p:spTree>
@@ -3317,7 +4756,7 @@
 </p:sld>
 </file>
 
-<file path=ppt/slides/slide13.xml><?xml version="1.0" encoding="utf-8"?>
+<file path=ppt/slides/slide15.xml><?xml version="1.0" encoding="utf-8"?>
 <p:sld xmlns:a="http://schemas.openxmlformats.org/drawingml/2006/main" xmlns:r="http://schemas.openxmlformats.org/officeDocument/2006/relationships" xmlns:p="http://schemas.openxmlformats.org/presentationml/2006/main">
   <p:cSld>
     <p:spTree>
@@ -3516,7 +4955,7 @@
 </p:sld>
 </file>
 
-<file path=ppt/slides/slide14.xml><?xml version="1.0" encoding="utf-8"?>
+<file path=ppt/slides/slide16.xml><?xml version="1.0" encoding="utf-8"?>
 <p:sld xmlns:a="http://schemas.openxmlformats.org/drawingml/2006/main" xmlns:r="http://schemas.openxmlformats.org/officeDocument/2006/relationships" xmlns:p="http://schemas.openxmlformats.org/presentationml/2006/main">
   <p:cSld>
     <p:spTree>
@@ -3799,7 +5238,7 @@
 </p:sld>
 </file>
 
-<file path=ppt/slides/slide15.xml><?xml version="1.0" encoding="utf-8"?>
+<file path=ppt/slides/slide17.xml><?xml version="1.0" encoding="utf-8"?>
 <p:sld xmlns:a="http://schemas.openxmlformats.org/drawingml/2006/main" xmlns:r="http://schemas.openxmlformats.org/officeDocument/2006/relationships" xmlns:p="http://schemas.openxmlformats.org/presentationml/2006/main">
   <p:cSld>
     <p:spTree>
@@ -4531,29 +5970,21 @@
           <a:p>
             <a:pPr lvl="1"/>
             <a:r>
-              <a:rPr lang="en-GB" dirty="0"/>
+              <a:rPr lang="en-GB" sz="2800" b="0" dirty="0"/>
               <a:t>Aims to fix many of core R's structural problems</a:t>
             </a:r>
           </a:p>
           <a:p>
             <a:pPr lvl="1"/>
-            <a:endParaRPr lang="en-GB" dirty="0"/>
+            <a:r>
+              <a:rPr lang="en-GB" sz="2800" b="0" dirty="0"/>
+              <a:t>Common design and data philosophy</a:t>
+            </a:r>
           </a:p>
           <a:p>
             <a:pPr lvl="1"/>
             <a:r>
-              <a:rPr lang="en-GB" dirty="0"/>
-              <a:t>Common design and data philosophy</a:t>
-            </a:r>
-          </a:p>
-          <a:p>
-            <a:pPr lvl="1"/>
-            <a:endParaRPr lang="en-GB" dirty="0"/>
-          </a:p>
-          <a:p>
-            <a:pPr lvl="1"/>
-            <a:r>
-              <a:rPr lang="en-GB" dirty="0"/>
+              <a:rPr lang="en-GB" sz="2800" b="0" dirty="0"/>
               <a:t>Designed to work together, but integrate seamlessly with other parts of R</a:t>
             </a:r>
           </a:p>
@@ -4627,7 +6058,7 @@
         </p:nvSpPr>
         <p:spPr>
           <a:xfrm>
-            <a:off x="4714949" y="1139587"/>
+            <a:off x="4827093" y="956231"/>
             <a:ext cx="2762103" cy="369332"/>
           </a:xfrm>
           <a:prstGeom prst="rect">
@@ -4647,6 +6078,123 @@
           </a:p>
         </p:txBody>
       </p:sp>
+      <p:pic>
+        <p:nvPicPr>
+          <p:cNvPr id="8" name="Picture 7" descr="A diagram of a model&#10;&#10;AI-generated content may be incorrect.">
+            <a:extLst>
+              <a:ext uri="{FF2B5EF4-FFF2-40B4-BE49-F238E27FC236}">
+                <a16:creationId xmlns:a16="http://schemas.microsoft.com/office/drawing/2014/main" id="{C99736EA-B719-8516-57EE-8BD7CEED759D}"/>
+              </a:ext>
+            </a:extLst>
+          </p:cNvPr>
+          <p:cNvPicPr>
+            <a:picLocks noChangeAspect="1"/>
+          </p:cNvPicPr>
+          <p:nvPr/>
+        </p:nvPicPr>
+        <p:blipFill>
+          <a:blip r:embed="rId4">
+            <a:extLst>
+              <a:ext uri="{28A0092B-C50C-407E-A947-70E740481C1C}">
+                <a14:useLocalDpi xmlns:a14="http://schemas.microsoft.com/office/drawing/2010/main" val="0"/>
+              </a:ext>
+            </a:extLst>
+          </a:blip>
+          <a:stretch>
+            <a:fillRect/>
+          </a:stretch>
+        </p:blipFill>
+        <p:spPr>
+          <a:xfrm>
+            <a:off x="3230967" y="4271777"/>
+            <a:ext cx="6311091" cy="2586223"/>
+          </a:xfrm>
+          <a:prstGeom prst="rect">
+            <a:avLst/>
+          </a:prstGeom>
+        </p:spPr>
+      </p:pic>
+      <p:sp>
+        <p:nvSpPr>
+          <p:cNvPr id="9" name="TextBox 8">
+            <a:extLst>
+              <a:ext uri="{FF2B5EF4-FFF2-40B4-BE49-F238E27FC236}">
+                <a16:creationId xmlns:a16="http://schemas.microsoft.com/office/drawing/2014/main" id="{82FA630D-9C6B-CA84-C4BD-C9F7A3F37416}"/>
+              </a:ext>
+            </a:extLst>
+          </p:cNvPr>
+          <p:cNvSpPr txBox="1"/>
+          <p:nvPr/>
+        </p:nvSpPr>
+        <p:spPr>
+          <a:xfrm>
+            <a:off x="10091725" y="4387890"/>
+            <a:ext cx="1762149" cy="369332"/>
+          </a:xfrm>
+          <a:prstGeom prst="rect">
+            <a:avLst/>
+          </a:prstGeom>
+          <a:noFill/>
+        </p:spPr>
+        <p:txBody>
+          <a:bodyPr wrap="none" rtlCol="0">
+            <a:spAutoFit/>
+          </a:bodyPr>
+          <a:lstStyle/>
+          <a:p>
+            <a:r>
+              <a:rPr lang="en-US" dirty="0"/>
+              <a:t>Hadley Wickham</a:t>
+            </a:r>
+            <a:endParaRPr lang="en-NZ" dirty="0"/>
+          </a:p>
+        </p:txBody>
+      </p:sp>
+      <p:cxnSp>
+        <p:nvCxnSpPr>
+          <p:cNvPr id="11" name="Connector: Curved 10">
+            <a:extLst>
+              <a:ext uri="{FF2B5EF4-FFF2-40B4-BE49-F238E27FC236}">
+                <a16:creationId xmlns:a16="http://schemas.microsoft.com/office/drawing/2014/main" id="{7226318E-1F28-E524-E8E3-958926F4F585}"/>
+              </a:ext>
+            </a:extLst>
+          </p:cNvPr>
+          <p:cNvCxnSpPr>
+            <a:stCxn id="9" idx="2"/>
+            <a:endCxn id="4" idx="0"/>
+          </p:cNvCxnSpPr>
+          <p:nvPr/>
+        </p:nvCxnSpPr>
+        <p:spPr>
+          <a:xfrm rot="16200000" flipH="1">
+            <a:off x="11141611" y="4588411"/>
+            <a:ext cx="271978" cy="609600"/>
+          </a:xfrm>
+          <a:prstGeom prst="curvedConnector3">
+            <a:avLst/>
+          </a:prstGeom>
+          <a:ln w="38100">
+            <a:solidFill>
+              <a:schemeClr val="tx1"/>
+            </a:solidFill>
+            <a:tailEnd type="triangle"/>
+          </a:ln>
+        </p:spPr>
+        <p:style>
+          <a:lnRef idx="1">
+            <a:schemeClr val="accent1"/>
+          </a:lnRef>
+          <a:fillRef idx="0">
+            <a:schemeClr val="accent1"/>
+          </a:fillRef>
+          <a:effectRef idx="0">
+            <a:schemeClr val="accent1"/>
+          </a:effectRef>
+          <a:fontRef idx="minor">
+            <a:schemeClr val="tx1"/>
+          </a:fontRef>
+        </p:style>
+      </p:cxnSp>
     </p:spTree>
     <p:extLst>
       <p:ext uri="{BB962C8B-B14F-4D97-AF65-F5344CB8AC3E}">
@@ -6511,7 +8059,12 @@
             <p:ph idx="1"/>
           </p:nvPr>
         </p:nvSpPr>
-        <p:spPr/>
+        <p:spPr>
+          <a:xfrm>
+            <a:off x="3568641" y="1904580"/>
+            <a:ext cx="6403496" cy="5308599"/>
+          </a:xfrm>
+        </p:spPr>
         <p:txBody>
           <a:bodyPr/>
           <a:lstStyle/>
@@ -6697,6 +8250,166 @@
           </a:p>
         </p:txBody>
       </p:sp>
+      <p:sp>
+        <p:nvSpPr>
+          <p:cNvPr id="4" name="TextBox 3">
+            <a:extLst>
+              <a:ext uri="{FF2B5EF4-FFF2-40B4-BE49-F238E27FC236}">
+                <a16:creationId xmlns:a16="http://schemas.microsoft.com/office/drawing/2014/main" id="{397622DE-0F3F-01D4-BE93-2862BD661319}"/>
+              </a:ext>
+            </a:extLst>
+          </p:cNvPr>
+          <p:cNvSpPr txBox="1"/>
+          <p:nvPr/>
+        </p:nvSpPr>
+        <p:spPr>
+          <a:xfrm>
+            <a:off x="5791792" y="2034337"/>
+            <a:ext cx="1063112" cy="461665"/>
+          </a:xfrm>
+          <a:prstGeom prst="rect">
+            <a:avLst/>
+          </a:prstGeom>
+          <a:noFill/>
+        </p:spPr>
+        <p:txBody>
+          <a:bodyPr wrap="none" rtlCol="0">
+            <a:spAutoFit/>
+          </a:bodyPr>
+          <a:lstStyle/>
+          <a:p>
+            <a:r>
+              <a:rPr lang="en-US" sz="2400" b="1" dirty="0"/>
+              <a:t>Import</a:t>
+            </a:r>
+            <a:endParaRPr lang="en-NZ" b="1" dirty="0"/>
+          </a:p>
+        </p:txBody>
+      </p:sp>
+      <p:sp>
+        <p:nvSpPr>
+          <p:cNvPr id="5" name="TextBox 4">
+            <a:extLst>
+              <a:ext uri="{FF2B5EF4-FFF2-40B4-BE49-F238E27FC236}">
+                <a16:creationId xmlns:a16="http://schemas.microsoft.com/office/drawing/2014/main" id="{C454C596-5FA4-70E0-B7AA-C319585CA737}"/>
+              </a:ext>
+            </a:extLst>
+          </p:cNvPr>
+          <p:cNvSpPr txBox="1"/>
+          <p:nvPr/>
+        </p:nvSpPr>
+        <p:spPr>
+          <a:xfrm>
+            <a:off x="9566695" y="3198167"/>
+            <a:ext cx="2150653" cy="461665"/>
+          </a:xfrm>
+          <a:prstGeom prst="rect">
+            <a:avLst/>
+          </a:prstGeom>
+          <a:noFill/>
+        </p:spPr>
+        <p:txBody>
+          <a:bodyPr wrap="none" rtlCol="0">
+            <a:spAutoFit/>
+          </a:bodyPr>
+          <a:lstStyle/>
+          <a:p>
+            <a:r>
+              <a:rPr lang="en-US" sz="2400" b="1" dirty="0"/>
+              <a:t>Tidy/Transform</a:t>
+            </a:r>
+            <a:endParaRPr lang="en-NZ" sz="2400" b="1" dirty="0"/>
+          </a:p>
+        </p:txBody>
+      </p:sp>
+      <p:cxnSp>
+        <p:nvCxnSpPr>
+          <p:cNvPr id="8" name="Connector: Curved 7">
+            <a:extLst>
+              <a:ext uri="{FF2B5EF4-FFF2-40B4-BE49-F238E27FC236}">
+                <a16:creationId xmlns:a16="http://schemas.microsoft.com/office/drawing/2014/main" id="{22D23A60-CF4E-EA6B-4652-E0209CA39090}"/>
+              </a:ext>
+            </a:extLst>
+          </p:cNvPr>
+          <p:cNvCxnSpPr>
+            <a:stCxn id="4" idx="1"/>
+          </p:cNvCxnSpPr>
+          <p:nvPr/>
+        </p:nvCxnSpPr>
+        <p:spPr>
+          <a:xfrm rot="10800000" flipV="1">
+            <a:off x="4796288" y="2265170"/>
+            <a:ext cx="995505" cy="900724"/>
+          </a:xfrm>
+          <a:prstGeom prst="curvedConnector3">
+            <a:avLst/>
+          </a:prstGeom>
+          <a:ln>
+            <a:solidFill>
+              <a:schemeClr val="tx1"/>
+            </a:solidFill>
+            <a:tailEnd type="triangle"/>
+          </a:ln>
+        </p:spPr>
+        <p:style>
+          <a:lnRef idx="1">
+            <a:schemeClr val="accent1"/>
+          </a:lnRef>
+          <a:fillRef idx="0">
+            <a:schemeClr val="accent1"/>
+          </a:fillRef>
+          <a:effectRef idx="0">
+            <a:schemeClr val="accent1"/>
+          </a:effectRef>
+          <a:fontRef idx="minor">
+            <a:schemeClr val="tx1"/>
+          </a:fontRef>
+        </p:style>
+      </p:cxnSp>
+      <p:cxnSp>
+        <p:nvCxnSpPr>
+          <p:cNvPr id="12" name="Straight Arrow Connector 11">
+            <a:extLst>
+              <a:ext uri="{FF2B5EF4-FFF2-40B4-BE49-F238E27FC236}">
+                <a16:creationId xmlns:a16="http://schemas.microsoft.com/office/drawing/2014/main" id="{9C0C298B-7394-8B5B-0266-400B19410419}"/>
+              </a:ext>
+            </a:extLst>
+          </p:cNvPr>
+          <p:cNvCxnSpPr>
+            <a:stCxn id="5" idx="1"/>
+          </p:cNvCxnSpPr>
+          <p:nvPr/>
+        </p:nvCxnSpPr>
+        <p:spPr>
+          <a:xfrm flipH="1">
+            <a:off x="8807570" y="3429000"/>
+            <a:ext cx="759125" cy="230832"/>
+          </a:xfrm>
+          <a:prstGeom prst="straightConnector1">
+            <a:avLst/>
+          </a:prstGeom>
+          <a:ln>
+            <a:solidFill>
+              <a:schemeClr val="tx1"/>
+            </a:solidFill>
+            <a:tailEnd type="triangle"/>
+          </a:ln>
+        </p:spPr>
+        <p:style>
+          <a:lnRef idx="1">
+            <a:schemeClr val="accent1"/>
+          </a:lnRef>
+          <a:fillRef idx="0">
+            <a:schemeClr val="accent1"/>
+          </a:fillRef>
+          <a:effectRef idx="0">
+            <a:schemeClr val="accent1"/>
+          </a:effectRef>
+          <a:fontRef idx="minor">
+            <a:schemeClr val="tx1"/>
+          </a:fontRef>
+        </p:style>
+      </p:cxnSp>
     </p:spTree>
     <p:extLst>
       <p:ext uri="{BB962C8B-B14F-4D97-AF65-F5344CB8AC3E}">
@@ -6910,454 +8623,855 @@
         </p:nvSpPr>
         <p:spPr/>
         <p:txBody>
-          <a:bodyPr>
-            <a:normAutofit fontScale="90000"/>
-          </a:bodyPr>
+          <a:bodyPr/>
           <a:lstStyle/>
           <a:p>
             <a:r>
               <a:rPr lang="en-GB" dirty="0"/>
-              <a:t>Code structure of a ggplot graph</a:t>
-            </a:r>
-            <a:endParaRPr lang="en-GB" dirty="0">
-              <a:latin typeface="Lucida Console" panose="020B0609040504020204" pitchFamily="49" charset="0"/>
-            </a:endParaRPr>
+              <a:t>Tibbles are nicer </a:t>
+            </a:r>
+            <a:r>
+              <a:rPr lang="en-GB" dirty="0" err="1"/>
+              <a:t>dataframes</a:t>
+            </a:r>
+            <a:endParaRPr lang="en-GB" dirty="0"/>
           </a:p>
         </p:txBody>
       </p:sp>
       <p:sp>
         <p:nvSpPr>
-          <p:cNvPr id="3" name="Content Placeholder 2"/>
-          <p:cNvSpPr>
-            <a:spLocks noGrp="1"/>
-          </p:cNvSpPr>
-          <p:nvPr>
-            <p:ph idx="1"/>
-          </p:nvPr>
+          <p:cNvPr id="4" name="Rectangle 3"/>
+          <p:cNvSpPr/>
+          <p:nvPr/>
         </p:nvSpPr>
-        <p:spPr/>
+        <p:spPr>
+          <a:xfrm>
+            <a:off x="1985513" y="1861065"/>
+            <a:ext cx="10856686" cy="3950184"/>
+          </a:xfrm>
+          <a:prstGeom prst="rect">
+            <a:avLst/>
+          </a:prstGeom>
+        </p:spPr>
         <p:txBody>
-          <a:bodyPr/>
+          <a:bodyPr wrap="square">
+            <a:spAutoFit/>
+          </a:bodyPr>
           <a:lstStyle/>
           <a:p>
-            <a:r>
-              <a:rPr lang="en-GB" dirty="0"/>
-              <a:t>Start with a call to </a:t>
-            </a:r>
-            <a:r>
-              <a:rPr lang="en-GB" dirty="0">
-                <a:latin typeface="Lucida Console" panose="020B0609040504020204" pitchFamily="49" charset="0"/>
-              </a:rPr>
-              <a:t>ggplot()</a:t>
-            </a:r>
-          </a:p>
-          <a:p>
-            <a:pPr lvl="1"/>
-            <a:r>
-              <a:rPr lang="en-GB" dirty="0"/>
-              <a:t>Pass the tibble of data</a:t>
-            </a:r>
-          </a:p>
-          <a:p>
-            <a:pPr lvl="1"/>
-            <a:r>
-              <a:rPr lang="en-GB" dirty="0"/>
-              <a:t>Say which columns you want to use</a:t>
-            </a:r>
-          </a:p>
-          <a:p>
-            <a:endParaRPr lang="en-GB" dirty="0"/>
-          </a:p>
-          <a:p>
-            <a:r>
-              <a:rPr lang="en-GB" dirty="0"/>
-              <a:t>Say which graphical representation you want to use</a:t>
-            </a:r>
-          </a:p>
-          <a:p>
-            <a:pPr lvl="1"/>
-            <a:r>
-              <a:rPr lang="en-GB" dirty="0"/>
-              <a:t>Points, lines, </a:t>
-            </a:r>
-            <a:r>
-              <a:rPr lang="en-GB" dirty="0" err="1"/>
-              <a:t>barplots</a:t>
-            </a:r>
-            <a:r>
-              <a:rPr lang="en-GB" dirty="0"/>
+            <a:pPr latinLnBrk="1">
+              <a:lnSpc>
+                <a:spcPct val="120000"/>
+              </a:lnSpc>
+              <a:tabLst>
+                <a:tab pos="581660" algn="l"/>
+                <a:tab pos="1163320" algn="l"/>
+                <a:tab pos="1744980" algn="l"/>
+                <a:tab pos="2326640" algn="l"/>
+                <a:tab pos="2908300" algn="l"/>
+                <a:tab pos="3489960" algn="l"/>
+                <a:tab pos="4071620" algn="l"/>
+                <a:tab pos="4653280" algn="l"/>
+                <a:tab pos="5234940" algn="l"/>
+                <a:tab pos="5816600" algn="l"/>
+                <a:tab pos="6398260" algn="l"/>
+                <a:tab pos="6979920" algn="l"/>
+                <a:tab pos="7561580" algn="l"/>
+                <a:tab pos="8143240" algn="l"/>
+                <a:tab pos="8724900" algn="l"/>
+                <a:tab pos="9306560" algn="l"/>
+              </a:tabLst>
+            </a:pPr>
+            <a:r>
+              <a:rPr lang="en-GB" sz="1400" dirty="0">
+                <a:solidFill>
+                  <a:srgbClr val="0000FF"/>
+                </a:solidFill>
+                <a:latin typeface="Lucida Console" panose="020B0609040504020204" pitchFamily="49" charset="0"/>
+                <a:ea typeface="Times New Roman" panose="02020603050405020304" pitchFamily="18" charset="0"/>
+                <a:cs typeface="Courier New" panose="02070309020205020404" pitchFamily="49" charset="0"/>
+              </a:rPr>
+              <a:t>&gt; head(</a:t>
+            </a:r>
+            <a:r>
+              <a:rPr lang="en-GB" sz="1400" dirty="0" err="1">
+                <a:solidFill>
+                  <a:srgbClr val="0000FF"/>
+                </a:solidFill>
+                <a:latin typeface="Lucida Console" panose="020B0609040504020204" pitchFamily="49" charset="0"/>
+                <a:ea typeface="Times New Roman" panose="02020603050405020304" pitchFamily="18" charset="0"/>
+                <a:cs typeface="Courier New" panose="02070309020205020404" pitchFamily="49" charset="0"/>
+              </a:rPr>
+              <a:t>as.data.frame</a:t>
+            </a:r>
+            <a:r>
+              <a:rPr lang="en-GB" sz="1400" dirty="0">
+                <a:solidFill>
+                  <a:srgbClr val="0000FF"/>
+                </a:solidFill>
+                <a:latin typeface="Lucida Console" panose="020B0609040504020204" pitchFamily="49" charset="0"/>
+                <a:ea typeface="Times New Roman" panose="02020603050405020304" pitchFamily="18" charset="0"/>
+                <a:cs typeface="Courier New" panose="02070309020205020404" pitchFamily="49" charset="0"/>
+              </a:rPr>
+              <a:t>(data))</a:t>
+            </a:r>
+            <a:endParaRPr lang="en-GB" sz="1400" dirty="0">
+              <a:latin typeface="Arial" panose="020B0604020202020204" pitchFamily="34" charset="0"/>
+              <a:ea typeface="Times New Roman" panose="02020603050405020304" pitchFamily="18" charset="0"/>
+              <a:cs typeface="Times New Roman" panose="02020603050405020304" pitchFamily="18" charset="0"/>
+            </a:endParaRPr>
+          </a:p>
+          <a:p>
+            <a:pPr latinLnBrk="1">
+              <a:lnSpc>
+                <a:spcPct val="120000"/>
+              </a:lnSpc>
+              <a:tabLst>
+                <a:tab pos="581660" algn="l"/>
+                <a:tab pos="1163320" algn="l"/>
+                <a:tab pos="1744980" algn="l"/>
+                <a:tab pos="2326640" algn="l"/>
+                <a:tab pos="2908300" algn="l"/>
+                <a:tab pos="3489960" algn="l"/>
+                <a:tab pos="4071620" algn="l"/>
+                <a:tab pos="4653280" algn="l"/>
+                <a:tab pos="5234940" algn="l"/>
+                <a:tab pos="5816600" algn="l"/>
+                <a:tab pos="6398260" algn="l"/>
+                <a:tab pos="6979920" algn="l"/>
+                <a:tab pos="7561580" algn="l"/>
+                <a:tab pos="8143240" algn="l"/>
+                <a:tab pos="8724900" algn="l"/>
+                <a:tab pos="9306560" algn="l"/>
+              </a:tabLst>
+            </a:pPr>
+            <a:r>
+              <a:rPr lang="en-GB" sz="1400" dirty="0">
+                <a:solidFill>
+                  <a:srgbClr val="000000"/>
+                </a:solidFill>
+                <a:latin typeface="Lucida Console" panose="020B0609040504020204" pitchFamily="49" charset="0"/>
+                <a:ea typeface="Times New Roman" panose="02020603050405020304" pitchFamily="18" charset="0"/>
+                <a:cs typeface="Courier New" panose="02070309020205020404" pitchFamily="49" charset="0"/>
+              </a:rPr>
+              <a:t>       Probe Chromosome    Start      End Probe Strand    Feature</a:t>
+            </a:r>
+            <a:endParaRPr lang="en-GB" sz="1400" dirty="0">
+              <a:latin typeface="Arial" panose="020B0604020202020204" pitchFamily="34" charset="0"/>
+              <a:ea typeface="Times New Roman" panose="02020603050405020304" pitchFamily="18" charset="0"/>
+              <a:cs typeface="Times New Roman" panose="02020603050405020304" pitchFamily="18" charset="0"/>
+            </a:endParaRPr>
+          </a:p>
+          <a:p>
+            <a:pPr latinLnBrk="1">
+              <a:lnSpc>
+                <a:spcPct val="120000"/>
+              </a:lnSpc>
+              <a:tabLst>
+                <a:tab pos="581660" algn="l"/>
+                <a:tab pos="1163320" algn="l"/>
+                <a:tab pos="1744980" algn="l"/>
+                <a:tab pos="2326640" algn="l"/>
+                <a:tab pos="2908300" algn="l"/>
+                <a:tab pos="3489960" algn="l"/>
+                <a:tab pos="4071620" algn="l"/>
+                <a:tab pos="4653280" algn="l"/>
+                <a:tab pos="5234940" algn="l"/>
+                <a:tab pos="5816600" algn="l"/>
+                <a:tab pos="6398260" algn="l"/>
+                <a:tab pos="6979920" algn="l"/>
+                <a:tab pos="7561580" algn="l"/>
+                <a:tab pos="8143240" algn="l"/>
+                <a:tab pos="8724900" algn="l"/>
+                <a:tab pos="9306560" algn="l"/>
+              </a:tabLst>
+            </a:pPr>
+            <a:r>
+              <a:rPr lang="en-GB" sz="1400" dirty="0">
+                <a:solidFill>
+                  <a:srgbClr val="000000"/>
+                </a:solidFill>
+                <a:latin typeface="Lucida Console" panose="020B0609040504020204" pitchFamily="49" charset="0"/>
+                <a:ea typeface="Times New Roman" panose="02020603050405020304" pitchFamily="18" charset="0"/>
+                <a:cs typeface="Courier New" panose="02070309020205020404" pitchFamily="49" charset="0"/>
+              </a:rPr>
+              <a:t>1 AL645608.2          1   911435   914948            + AL645608.2</a:t>
+            </a:r>
+            <a:endParaRPr lang="en-GB" sz="1400" dirty="0">
+              <a:latin typeface="Arial" panose="020B0604020202020204" pitchFamily="34" charset="0"/>
+              <a:ea typeface="Times New Roman" panose="02020603050405020304" pitchFamily="18" charset="0"/>
+              <a:cs typeface="Times New Roman" panose="02020603050405020304" pitchFamily="18" charset="0"/>
+            </a:endParaRPr>
+          </a:p>
+          <a:p>
+            <a:pPr latinLnBrk="1">
+              <a:lnSpc>
+                <a:spcPct val="120000"/>
+              </a:lnSpc>
+              <a:tabLst>
+                <a:tab pos="581660" algn="l"/>
+                <a:tab pos="1163320" algn="l"/>
+                <a:tab pos="1744980" algn="l"/>
+                <a:tab pos="2326640" algn="l"/>
+                <a:tab pos="2908300" algn="l"/>
+                <a:tab pos="3489960" algn="l"/>
+                <a:tab pos="4071620" algn="l"/>
+                <a:tab pos="4653280" algn="l"/>
+                <a:tab pos="5234940" algn="l"/>
+                <a:tab pos="5816600" algn="l"/>
+                <a:tab pos="6398260" algn="l"/>
+                <a:tab pos="6979920" algn="l"/>
+                <a:tab pos="7561580" algn="l"/>
+                <a:tab pos="8143240" algn="l"/>
+                <a:tab pos="8724900" algn="l"/>
+                <a:tab pos="9306560" algn="l"/>
+              </a:tabLst>
+            </a:pPr>
+            <a:r>
+              <a:rPr lang="en-GB" sz="1400" dirty="0">
+                <a:solidFill>
+                  <a:srgbClr val="000000"/>
+                </a:solidFill>
+                <a:latin typeface="Lucida Console" panose="020B0609040504020204" pitchFamily="49" charset="0"/>
+                <a:ea typeface="Times New Roman" panose="02020603050405020304" pitchFamily="18" charset="0"/>
+                <a:cs typeface="Courier New" panose="02070309020205020404" pitchFamily="49" charset="0"/>
+              </a:rPr>
+              <a:t>2  LINC02593          1   916865   921016            -  LINC02593</a:t>
+            </a:r>
+            <a:endParaRPr lang="en-GB" sz="1400" dirty="0">
+              <a:latin typeface="Arial" panose="020B0604020202020204" pitchFamily="34" charset="0"/>
+              <a:ea typeface="Times New Roman" panose="02020603050405020304" pitchFamily="18" charset="0"/>
+              <a:cs typeface="Times New Roman" panose="02020603050405020304" pitchFamily="18" charset="0"/>
+            </a:endParaRPr>
+          </a:p>
+          <a:p>
+            <a:pPr latinLnBrk="1">
+              <a:lnSpc>
+                <a:spcPct val="120000"/>
+              </a:lnSpc>
+              <a:tabLst>
+                <a:tab pos="581660" algn="l"/>
+                <a:tab pos="1163320" algn="l"/>
+                <a:tab pos="1744980" algn="l"/>
+                <a:tab pos="2326640" algn="l"/>
+                <a:tab pos="2908300" algn="l"/>
+                <a:tab pos="3489960" algn="l"/>
+                <a:tab pos="4071620" algn="l"/>
+                <a:tab pos="4653280" algn="l"/>
+                <a:tab pos="5234940" algn="l"/>
+                <a:tab pos="5816600" algn="l"/>
+                <a:tab pos="6398260" algn="l"/>
+                <a:tab pos="6979920" algn="l"/>
+                <a:tab pos="7561580" algn="l"/>
+                <a:tab pos="8143240" algn="l"/>
+                <a:tab pos="8724900" algn="l"/>
+                <a:tab pos="9306560" algn="l"/>
+              </a:tabLst>
+            </a:pPr>
+            <a:r>
+              <a:rPr lang="en-GB" sz="1400" dirty="0">
+                <a:solidFill>
+                  <a:srgbClr val="000000"/>
+                </a:solidFill>
+                <a:latin typeface="Lucida Console" panose="020B0609040504020204" pitchFamily="49" charset="0"/>
+                <a:ea typeface="Times New Roman" panose="02020603050405020304" pitchFamily="18" charset="0"/>
+                <a:cs typeface="Courier New" panose="02070309020205020404" pitchFamily="49" charset="0"/>
+              </a:rPr>
+              <a:t>3     SAMD11          1   923928   944581            +     SAMD11</a:t>
+            </a:r>
+            <a:endParaRPr lang="en-GB" sz="1400" dirty="0">
+              <a:latin typeface="Arial" panose="020B0604020202020204" pitchFamily="34" charset="0"/>
+              <a:ea typeface="Times New Roman" panose="02020603050405020304" pitchFamily="18" charset="0"/>
+              <a:cs typeface="Times New Roman" panose="02020603050405020304" pitchFamily="18" charset="0"/>
+            </a:endParaRPr>
+          </a:p>
+          <a:p>
+            <a:pPr latinLnBrk="1">
+              <a:lnSpc>
+                <a:spcPct val="120000"/>
+              </a:lnSpc>
+              <a:tabLst>
+                <a:tab pos="581660" algn="l"/>
+                <a:tab pos="1163320" algn="l"/>
+                <a:tab pos="1744980" algn="l"/>
+                <a:tab pos="2326640" algn="l"/>
+                <a:tab pos="2908300" algn="l"/>
+                <a:tab pos="3489960" algn="l"/>
+                <a:tab pos="4071620" algn="l"/>
+                <a:tab pos="4653280" algn="l"/>
+                <a:tab pos="5234940" algn="l"/>
+                <a:tab pos="5816600" algn="l"/>
+                <a:tab pos="6398260" algn="l"/>
+                <a:tab pos="6979920" algn="l"/>
+                <a:tab pos="7561580" algn="l"/>
+                <a:tab pos="8143240" algn="l"/>
+                <a:tab pos="8724900" algn="l"/>
+                <a:tab pos="9306560" algn="l"/>
+              </a:tabLst>
+            </a:pPr>
+            <a:r>
+              <a:rPr lang="en-GB" sz="1400" dirty="0">
+                <a:solidFill>
+                  <a:srgbClr val="000000"/>
+                </a:solidFill>
+                <a:latin typeface="Lucida Console" panose="020B0609040504020204" pitchFamily="49" charset="0"/>
+                <a:ea typeface="Times New Roman" panose="02020603050405020304" pitchFamily="18" charset="0"/>
+                <a:cs typeface="Courier New" panose="02070309020205020404" pitchFamily="49" charset="0"/>
+              </a:rPr>
+              <a:t>4 TMEM51-AS1          1 15111815 15153618            - TMEM51-AS1</a:t>
+            </a:r>
+            <a:endParaRPr lang="en-GB" sz="1400" dirty="0">
+              <a:latin typeface="Arial" panose="020B0604020202020204" pitchFamily="34" charset="0"/>
+              <a:ea typeface="Times New Roman" panose="02020603050405020304" pitchFamily="18" charset="0"/>
+              <a:cs typeface="Times New Roman" panose="02020603050405020304" pitchFamily="18" charset="0"/>
+            </a:endParaRPr>
+          </a:p>
+          <a:p>
+            <a:pPr latinLnBrk="1">
+              <a:lnSpc>
+                <a:spcPct val="120000"/>
+              </a:lnSpc>
+              <a:tabLst>
+                <a:tab pos="581660" algn="l"/>
+                <a:tab pos="1163320" algn="l"/>
+                <a:tab pos="1744980" algn="l"/>
+                <a:tab pos="2326640" algn="l"/>
+                <a:tab pos="2908300" algn="l"/>
+                <a:tab pos="3489960" algn="l"/>
+                <a:tab pos="4071620" algn="l"/>
+                <a:tab pos="4653280" algn="l"/>
+                <a:tab pos="5234940" algn="l"/>
+                <a:tab pos="5816600" algn="l"/>
+                <a:tab pos="6398260" algn="l"/>
+                <a:tab pos="6979920" algn="l"/>
+                <a:tab pos="7561580" algn="l"/>
+                <a:tab pos="8143240" algn="l"/>
+                <a:tab pos="8724900" algn="l"/>
+                <a:tab pos="9306560" algn="l"/>
+              </a:tabLst>
+            </a:pPr>
+            <a:r>
+              <a:rPr lang="en-GB" sz="1400" dirty="0">
+                <a:solidFill>
+                  <a:srgbClr val="000000"/>
+                </a:solidFill>
+                <a:latin typeface="Lucida Console" panose="020B0609040504020204" pitchFamily="49" charset="0"/>
+                <a:ea typeface="Times New Roman" panose="02020603050405020304" pitchFamily="18" charset="0"/>
+                <a:cs typeface="Courier New" panose="02070309020205020404" pitchFamily="49" charset="0"/>
+              </a:rPr>
+              <a:t>5     TMEM51          1 15152532 15220478            +     TMEM51</a:t>
+            </a:r>
+            <a:endParaRPr lang="en-GB" sz="1400" dirty="0">
+              <a:latin typeface="Arial" panose="020B0604020202020204" pitchFamily="34" charset="0"/>
+              <a:ea typeface="Times New Roman" panose="02020603050405020304" pitchFamily="18" charset="0"/>
+              <a:cs typeface="Times New Roman" panose="02020603050405020304" pitchFamily="18" charset="0"/>
+            </a:endParaRPr>
+          </a:p>
+          <a:p>
+            <a:pPr latinLnBrk="1">
+              <a:lnSpc>
+                <a:spcPct val="120000"/>
+              </a:lnSpc>
+              <a:tabLst>
+                <a:tab pos="581660" algn="l"/>
+                <a:tab pos="1163320" algn="l"/>
+                <a:tab pos="1744980" algn="l"/>
+                <a:tab pos="2326640" algn="l"/>
+                <a:tab pos="2908300" algn="l"/>
+                <a:tab pos="3489960" algn="l"/>
+                <a:tab pos="4071620" algn="l"/>
+                <a:tab pos="4653280" algn="l"/>
+                <a:tab pos="5234940" algn="l"/>
+                <a:tab pos="5816600" algn="l"/>
+                <a:tab pos="6398260" algn="l"/>
+                <a:tab pos="6979920" algn="l"/>
+                <a:tab pos="7561580" algn="l"/>
+                <a:tab pos="8143240" algn="l"/>
+                <a:tab pos="8724900" algn="l"/>
+                <a:tab pos="9306560" algn="l"/>
+              </a:tabLst>
+            </a:pPr>
+            <a:r>
+              <a:rPr lang="en-GB" sz="1400" dirty="0">
+                <a:solidFill>
+                  <a:srgbClr val="000000"/>
+                </a:solidFill>
+                <a:latin typeface="Lucida Console" panose="020B0609040504020204" pitchFamily="49" charset="0"/>
+                <a:ea typeface="Times New Roman" panose="02020603050405020304" pitchFamily="18" charset="0"/>
+                <a:cs typeface="Courier New" panose="02070309020205020404" pitchFamily="49" charset="0"/>
+              </a:rPr>
+              <a:t>6      FHAD1          1 15247272 15400283            +      FHAD1</a:t>
+            </a:r>
+            <a:endParaRPr lang="en-GB" sz="1400" dirty="0">
+              <a:latin typeface="Arial" panose="020B0604020202020204" pitchFamily="34" charset="0"/>
+              <a:ea typeface="Times New Roman" panose="02020603050405020304" pitchFamily="18" charset="0"/>
+              <a:cs typeface="Times New Roman" panose="02020603050405020304" pitchFamily="18" charset="0"/>
+            </a:endParaRPr>
+          </a:p>
+          <a:p>
+            <a:pPr latinLnBrk="1">
+              <a:lnSpc>
+                <a:spcPct val="120000"/>
+              </a:lnSpc>
+              <a:tabLst>
+                <a:tab pos="581660" algn="l"/>
+                <a:tab pos="1163320" algn="l"/>
+                <a:tab pos="1744980" algn="l"/>
+                <a:tab pos="2326640" algn="l"/>
+                <a:tab pos="2908300" algn="l"/>
+                <a:tab pos="3489960" algn="l"/>
+                <a:tab pos="4071620" algn="l"/>
+                <a:tab pos="4653280" algn="l"/>
+                <a:tab pos="5234940" algn="l"/>
+                <a:tab pos="5816600" algn="l"/>
+                <a:tab pos="6398260" algn="l"/>
+                <a:tab pos="6979920" algn="l"/>
+                <a:tab pos="7561580" algn="l"/>
+                <a:tab pos="8143240" algn="l"/>
+                <a:tab pos="8724900" algn="l"/>
+                <a:tab pos="9306560" algn="l"/>
+              </a:tabLst>
+            </a:pPr>
+            <a:r>
+              <a:rPr lang="en-GB" sz="1400" dirty="0">
+                <a:solidFill>
+                  <a:srgbClr val="000000"/>
+                </a:solidFill>
+                <a:latin typeface="Lucida Console" panose="020B0609040504020204" pitchFamily="49" charset="0"/>
+                <a:ea typeface="Times New Roman" panose="02020603050405020304" pitchFamily="18" charset="0"/>
+                <a:cs typeface="Courier New" panose="02070309020205020404" pitchFamily="49" charset="0"/>
+              </a:rPr>
+              <a:t>                                                                              Description</a:t>
+            </a:r>
+            <a:endParaRPr lang="en-GB" sz="1400" dirty="0">
+              <a:latin typeface="Arial" panose="020B0604020202020204" pitchFamily="34" charset="0"/>
+              <a:ea typeface="Times New Roman" panose="02020603050405020304" pitchFamily="18" charset="0"/>
+              <a:cs typeface="Times New Roman" panose="02020603050405020304" pitchFamily="18" charset="0"/>
+            </a:endParaRPr>
+          </a:p>
+          <a:p>
+            <a:pPr latinLnBrk="1">
+              <a:lnSpc>
+                <a:spcPct val="120000"/>
+              </a:lnSpc>
+              <a:tabLst>
+                <a:tab pos="581660" algn="l"/>
+                <a:tab pos="1163320" algn="l"/>
+                <a:tab pos="1744980" algn="l"/>
+                <a:tab pos="2326640" algn="l"/>
+                <a:tab pos="2908300" algn="l"/>
+                <a:tab pos="3489960" algn="l"/>
+                <a:tab pos="4071620" algn="l"/>
+                <a:tab pos="4653280" algn="l"/>
+                <a:tab pos="5234940" algn="l"/>
+                <a:tab pos="5816600" algn="l"/>
+                <a:tab pos="6398260" algn="l"/>
+                <a:tab pos="6979920" algn="l"/>
+                <a:tab pos="7561580" algn="l"/>
+                <a:tab pos="8143240" algn="l"/>
+                <a:tab pos="8724900" algn="l"/>
+                <a:tab pos="9306560" algn="l"/>
+              </a:tabLst>
+            </a:pPr>
+            <a:r>
+              <a:rPr lang="en-GB" sz="1400" dirty="0">
+                <a:solidFill>
+                  <a:srgbClr val="000000"/>
+                </a:solidFill>
+                <a:latin typeface="Lucida Console" panose="020B0609040504020204" pitchFamily="49" charset="0"/>
+                <a:ea typeface="Times New Roman" panose="02020603050405020304" pitchFamily="18" charset="0"/>
+                <a:cs typeface="Courier New" panose="02070309020205020404" pitchFamily="49" charset="0"/>
+              </a:rPr>
+              <a:t>1                                                                        novel transcript</a:t>
+            </a:r>
+            <a:endParaRPr lang="en-GB" sz="1400" dirty="0">
+              <a:latin typeface="Arial" panose="020B0604020202020204" pitchFamily="34" charset="0"/>
+              <a:ea typeface="Times New Roman" panose="02020603050405020304" pitchFamily="18" charset="0"/>
+              <a:cs typeface="Times New Roman" panose="02020603050405020304" pitchFamily="18" charset="0"/>
+            </a:endParaRPr>
+          </a:p>
+          <a:p>
+            <a:pPr latinLnBrk="1">
+              <a:lnSpc>
+                <a:spcPct val="120000"/>
+              </a:lnSpc>
+              <a:tabLst>
+                <a:tab pos="581660" algn="l"/>
+                <a:tab pos="1163320" algn="l"/>
+                <a:tab pos="1744980" algn="l"/>
+                <a:tab pos="2326640" algn="l"/>
+                <a:tab pos="2908300" algn="l"/>
+                <a:tab pos="3489960" algn="l"/>
+                <a:tab pos="4071620" algn="l"/>
+                <a:tab pos="4653280" algn="l"/>
+                <a:tab pos="5234940" algn="l"/>
+                <a:tab pos="5816600" algn="l"/>
+                <a:tab pos="6398260" algn="l"/>
+                <a:tab pos="6979920" algn="l"/>
+                <a:tab pos="7561580" algn="l"/>
+                <a:tab pos="8143240" algn="l"/>
+                <a:tab pos="8724900" algn="l"/>
+                <a:tab pos="9306560" algn="l"/>
+              </a:tabLst>
+            </a:pPr>
+            <a:r>
+              <a:rPr lang="en-GB" sz="1400" dirty="0">
+                <a:solidFill>
+                  <a:srgbClr val="000000"/>
+                </a:solidFill>
+                <a:latin typeface="Lucida Console" panose="020B0609040504020204" pitchFamily="49" charset="0"/>
+                <a:ea typeface="Times New Roman" panose="02020603050405020304" pitchFamily="18" charset="0"/>
+                <a:cs typeface="Courier New" panose="02070309020205020404" pitchFamily="49" charset="0"/>
+              </a:rPr>
+              <a:t>2         long intergenic non-protein coding RNA 2593 [</a:t>
+            </a:r>
+            <a:r>
+              <a:rPr lang="en-GB" sz="1400" dirty="0" err="1">
+                <a:solidFill>
+                  <a:srgbClr val="000000"/>
+                </a:solidFill>
+                <a:latin typeface="Lucida Console" panose="020B0609040504020204" pitchFamily="49" charset="0"/>
+                <a:ea typeface="Times New Roman" panose="02020603050405020304" pitchFamily="18" charset="0"/>
+                <a:cs typeface="Courier New" panose="02070309020205020404" pitchFamily="49" charset="0"/>
+              </a:rPr>
+              <a:t>Source:HGNC</a:t>
+            </a:r>
+            <a:r>
+              <a:rPr lang="en-GB" sz="1400" dirty="0">
+                <a:solidFill>
+                  <a:srgbClr val="000000"/>
+                </a:solidFill>
+                <a:latin typeface="Lucida Console" panose="020B0609040504020204" pitchFamily="49" charset="0"/>
+                <a:ea typeface="Times New Roman" panose="02020603050405020304" pitchFamily="18" charset="0"/>
+                <a:cs typeface="Courier New" panose="02070309020205020404" pitchFamily="49" charset="0"/>
+              </a:rPr>
+              <a:t> Symbol;Acc:HGNC:53933]</a:t>
+            </a:r>
+            <a:endParaRPr lang="en-GB" sz="1400" dirty="0">
+              <a:latin typeface="Arial" panose="020B0604020202020204" pitchFamily="34" charset="0"/>
+              <a:ea typeface="Times New Roman" panose="02020603050405020304" pitchFamily="18" charset="0"/>
+              <a:cs typeface="Times New Roman" panose="02020603050405020304" pitchFamily="18" charset="0"/>
+            </a:endParaRPr>
+          </a:p>
+          <a:p>
+            <a:pPr latinLnBrk="1">
+              <a:lnSpc>
+                <a:spcPct val="120000"/>
+              </a:lnSpc>
+              <a:tabLst>
+                <a:tab pos="581660" algn="l"/>
+                <a:tab pos="1163320" algn="l"/>
+                <a:tab pos="1744980" algn="l"/>
+                <a:tab pos="2326640" algn="l"/>
+                <a:tab pos="2908300" algn="l"/>
+                <a:tab pos="3489960" algn="l"/>
+                <a:tab pos="4071620" algn="l"/>
+                <a:tab pos="4653280" algn="l"/>
+                <a:tab pos="5234940" algn="l"/>
+                <a:tab pos="5816600" algn="l"/>
+                <a:tab pos="6398260" algn="l"/>
+                <a:tab pos="6979920" algn="l"/>
+                <a:tab pos="7561580" algn="l"/>
+                <a:tab pos="8143240" algn="l"/>
+                <a:tab pos="8724900" algn="l"/>
+                <a:tab pos="9306560" algn="l"/>
+              </a:tabLst>
+            </a:pPr>
+            <a:r>
+              <a:rPr lang="en-GB" sz="1400" dirty="0">
+                <a:solidFill>
+                  <a:srgbClr val="000000"/>
+                </a:solidFill>
+                <a:latin typeface="Lucida Console" panose="020B0609040504020204" pitchFamily="49" charset="0"/>
+                <a:ea typeface="Times New Roman" panose="02020603050405020304" pitchFamily="18" charset="0"/>
+                <a:cs typeface="Courier New" panose="02070309020205020404" pitchFamily="49" charset="0"/>
+              </a:rPr>
+              <a:t>3            sterile alpha motif domain containing 11 [</a:t>
+            </a:r>
+            <a:r>
+              <a:rPr lang="en-GB" sz="1400" dirty="0" err="1">
+                <a:solidFill>
+                  <a:srgbClr val="000000"/>
+                </a:solidFill>
+                <a:latin typeface="Lucida Console" panose="020B0609040504020204" pitchFamily="49" charset="0"/>
+                <a:ea typeface="Times New Roman" panose="02020603050405020304" pitchFamily="18" charset="0"/>
+                <a:cs typeface="Courier New" panose="02070309020205020404" pitchFamily="49" charset="0"/>
+              </a:rPr>
+              <a:t>Source:HGNC</a:t>
+            </a:r>
+            <a:r>
+              <a:rPr lang="en-GB" sz="1400" dirty="0">
+                <a:solidFill>
+                  <a:srgbClr val="000000"/>
+                </a:solidFill>
+                <a:latin typeface="Lucida Console" panose="020B0609040504020204" pitchFamily="49" charset="0"/>
+                <a:ea typeface="Times New Roman" panose="02020603050405020304" pitchFamily="18" charset="0"/>
+                <a:cs typeface="Courier New" panose="02070309020205020404" pitchFamily="49" charset="0"/>
+              </a:rPr>
+              <a:t> Symbol;Acc:HGNC:28706]</a:t>
+            </a:r>
+            <a:endParaRPr lang="en-GB" sz="1400" dirty="0">
+              <a:latin typeface="Arial" panose="020B0604020202020204" pitchFamily="34" charset="0"/>
+              <a:ea typeface="Times New Roman" panose="02020603050405020304" pitchFamily="18" charset="0"/>
+              <a:cs typeface="Times New Roman" panose="02020603050405020304" pitchFamily="18" charset="0"/>
+            </a:endParaRPr>
+          </a:p>
+          <a:p>
+            <a:pPr latinLnBrk="1">
+              <a:lnSpc>
+                <a:spcPct val="120000"/>
+              </a:lnSpc>
+              <a:tabLst>
+                <a:tab pos="581660" algn="l"/>
+                <a:tab pos="1163320" algn="l"/>
+                <a:tab pos="1744980" algn="l"/>
+                <a:tab pos="2326640" algn="l"/>
+                <a:tab pos="2908300" algn="l"/>
+                <a:tab pos="3489960" algn="l"/>
+                <a:tab pos="4071620" algn="l"/>
+                <a:tab pos="4653280" algn="l"/>
+                <a:tab pos="5234940" algn="l"/>
+                <a:tab pos="5816600" algn="l"/>
+                <a:tab pos="6398260" algn="l"/>
+                <a:tab pos="6979920" algn="l"/>
+                <a:tab pos="7561580" algn="l"/>
+                <a:tab pos="8143240" algn="l"/>
+                <a:tab pos="8724900" algn="l"/>
+                <a:tab pos="9306560" algn="l"/>
+              </a:tabLst>
+            </a:pPr>
+            <a:r>
+              <a:rPr lang="en-GB" sz="1400" dirty="0">
+                <a:solidFill>
+                  <a:srgbClr val="000000"/>
+                </a:solidFill>
+                <a:latin typeface="Lucida Console" panose="020B0609040504020204" pitchFamily="49" charset="0"/>
+                <a:ea typeface="Times New Roman" panose="02020603050405020304" pitchFamily="18" charset="0"/>
+                <a:cs typeface="Courier New" panose="02070309020205020404" pitchFamily="49" charset="0"/>
+              </a:rPr>
+              <a:t>4                              TMEM51 antisense RNA 1 [</a:t>
+            </a:r>
+            <a:r>
+              <a:rPr lang="en-GB" sz="1400" dirty="0" err="1">
+                <a:solidFill>
+                  <a:srgbClr val="000000"/>
+                </a:solidFill>
+                <a:latin typeface="Lucida Console" panose="020B0609040504020204" pitchFamily="49" charset="0"/>
+                <a:ea typeface="Times New Roman" panose="02020603050405020304" pitchFamily="18" charset="0"/>
+                <a:cs typeface="Courier New" panose="02070309020205020404" pitchFamily="49" charset="0"/>
+              </a:rPr>
+              <a:t>Source:HGNC</a:t>
+            </a:r>
+            <a:r>
+              <a:rPr lang="en-GB" sz="1400" dirty="0">
+                <a:solidFill>
+                  <a:srgbClr val="000000"/>
+                </a:solidFill>
+                <a:latin typeface="Lucida Console" panose="020B0609040504020204" pitchFamily="49" charset="0"/>
+                <a:ea typeface="Times New Roman" panose="02020603050405020304" pitchFamily="18" charset="0"/>
+                <a:cs typeface="Courier New" panose="02070309020205020404" pitchFamily="49" charset="0"/>
+              </a:rPr>
+              <a:t> Symbol;Acc:HGNC:26301]</a:t>
+            </a:r>
+            <a:endParaRPr lang="en-GB" sz="1400" dirty="0">
+              <a:latin typeface="Arial" panose="020B0604020202020204" pitchFamily="34" charset="0"/>
+              <a:ea typeface="Times New Roman" panose="02020603050405020304" pitchFamily="18" charset="0"/>
+              <a:cs typeface="Times New Roman" panose="02020603050405020304" pitchFamily="18" charset="0"/>
+            </a:endParaRPr>
+          </a:p>
+          <a:p>
+            <a:pPr latinLnBrk="1">
+              <a:lnSpc>
+                <a:spcPct val="120000"/>
+              </a:lnSpc>
+              <a:tabLst>
+                <a:tab pos="581660" algn="l"/>
+                <a:tab pos="1163320" algn="l"/>
+                <a:tab pos="1744980" algn="l"/>
+                <a:tab pos="2326640" algn="l"/>
+                <a:tab pos="2908300" algn="l"/>
+                <a:tab pos="3489960" algn="l"/>
+                <a:tab pos="4071620" algn="l"/>
+                <a:tab pos="4653280" algn="l"/>
+                <a:tab pos="5234940" algn="l"/>
+                <a:tab pos="5816600" algn="l"/>
+                <a:tab pos="6398260" algn="l"/>
+                <a:tab pos="6979920" algn="l"/>
+                <a:tab pos="7561580" algn="l"/>
+                <a:tab pos="8143240" algn="l"/>
+                <a:tab pos="8724900" algn="l"/>
+                <a:tab pos="9306560" algn="l"/>
+              </a:tabLst>
+            </a:pPr>
+            <a:r>
+              <a:rPr lang="en-GB" sz="1400" dirty="0">
+                <a:solidFill>
+                  <a:srgbClr val="000000"/>
+                </a:solidFill>
+                <a:latin typeface="Lucida Console" panose="020B0609040504020204" pitchFamily="49" charset="0"/>
+                <a:ea typeface="Times New Roman" panose="02020603050405020304" pitchFamily="18" charset="0"/>
+                <a:cs typeface="Courier New" panose="02070309020205020404" pitchFamily="49" charset="0"/>
+              </a:rPr>
+              <a:t>5                            transmembrane protein 51 [</a:t>
+            </a:r>
+            <a:r>
+              <a:rPr lang="en-GB" sz="1400" dirty="0" err="1">
+                <a:solidFill>
+                  <a:srgbClr val="000000"/>
+                </a:solidFill>
+                <a:latin typeface="Lucida Console" panose="020B0609040504020204" pitchFamily="49" charset="0"/>
+                <a:ea typeface="Times New Roman" panose="02020603050405020304" pitchFamily="18" charset="0"/>
+                <a:cs typeface="Courier New" panose="02070309020205020404" pitchFamily="49" charset="0"/>
+              </a:rPr>
+              <a:t>Source:HGNC</a:t>
+            </a:r>
+            <a:r>
+              <a:rPr lang="en-GB" sz="1400" dirty="0">
+                <a:solidFill>
+                  <a:srgbClr val="000000"/>
+                </a:solidFill>
+                <a:latin typeface="Lucida Console" panose="020B0609040504020204" pitchFamily="49" charset="0"/>
+                <a:ea typeface="Times New Roman" panose="02020603050405020304" pitchFamily="18" charset="0"/>
+                <a:cs typeface="Courier New" panose="02070309020205020404" pitchFamily="49" charset="0"/>
+              </a:rPr>
+              <a:t> Symbol;Acc:HGNC:25488]</a:t>
+            </a:r>
+            <a:endParaRPr lang="en-GB" sz="1400" dirty="0">
+              <a:latin typeface="Arial" panose="020B0604020202020204" pitchFamily="34" charset="0"/>
+              <a:ea typeface="Times New Roman" panose="02020603050405020304" pitchFamily="18" charset="0"/>
+              <a:cs typeface="Times New Roman" panose="02020603050405020304" pitchFamily="18" charset="0"/>
+            </a:endParaRPr>
+          </a:p>
+          <a:p>
+            <a:pPr latinLnBrk="1">
+              <a:lnSpc>
+                <a:spcPct val="120000"/>
+              </a:lnSpc>
+              <a:tabLst>
+                <a:tab pos="581660" algn="l"/>
+                <a:tab pos="1163320" algn="l"/>
+                <a:tab pos="1744980" algn="l"/>
+                <a:tab pos="2326640" algn="l"/>
+                <a:tab pos="2908300" algn="l"/>
+                <a:tab pos="3489960" algn="l"/>
+                <a:tab pos="4071620" algn="l"/>
+                <a:tab pos="4653280" algn="l"/>
+                <a:tab pos="5234940" algn="l"/>
+                <a:tab pos="5816600" algn="l"/>
+                <a:tab pos="6398260" algn="l"/>
+                <a:tab pos="6979920" algn="l"/>
+                <a:tab pos="7561580" algn="l"/>
+                <a:tab pos="8143240" algn="l"/>
+                <a:tab pos="8724900" algn="l"/>
+                <a:tab pos="9306560" algn="l"/>
+              </a:tabLst>
+            </a:pPr>
+            <a:r>
+              <a:rPr lang="en-GB" sz="1400" dirty="0">
+                <a:solidFill>
+                  <a:srgbClr val="000000"/>
+                </a:solidFill>
+                <a:latin typeface="Lucida Console" panose="020B0609040504020204" pitchFamily="49" charset="0"/>
+                <a:ea typeface="Times New Roman" panose="02020603050405020304" pitchFamily="18" charset="0"/>
+                <a:cs typeface="Courier New" panose="02070309020205020404" pitchFamily="49" charset="0"/>
+              </a:rPr>
+              <a:t>6 </a:t>
+            </a:r>
+            <a:r>
+              <a:rPr lang="en-GB" sz="1400" dirty="0" err="1">
+                <a:solidFill>
+                  <a:srgbClr val="000000"/>
+                </a:solidFill>
+                <a:latin typeface="Lucida Console" panose="020B0609040504020204" pitchFamily="49" charset="0"/>
+                <a:ea typeface="Times New Roman" panose="02020603050405020304" pitchFamily="18" charset="0"/>
+                <a:cs typeface="Courier New" panose="02070309020205020404" pitchFamily="49" charset="0"/>
+              </a:rPr>
+              <a:t>forkhead</a:t>
+            </a:r>
+            <a:r>
+              <a:rPr lang="en-GB" sz="1400" dirty="0">
+                <a:solidFill>
+                  <a:srgbClr val="000000"/>
+                </a:solidFill>
+                <a:latin typeface="Lucida Console" panose="020B0609040504020204" pitchFamily="49" charset="0"/>
+                <a:ea typeface="Times New Roman" panose="02020603050405020304" pitchFamily="18" charset="0"/>
+                <a:cs typeface="Courier New" panose="02070309020205020404" pitchFamily="49" charset="0"/>
+              </a:rPr>
+              <a:t> associated </a:t>
+            </a:r>
+            <a:r>
+              <a:rPr lang="en-GB" sz="1400" dirty="0" err="1">
+                <a:solidFill>
+                  <a:srgbClr val="000000"/>
+                </a:solidFill>
+                <a:latin typeface="Lucida Console" panose="020B0609040504020204" pitchFamily="49" charset="0"/>
+                <a:ea typeface="Times New Roman" panose="02020603050405020304" pitchFamily="18" charset="0"/>
+                <a:cs typeface="Courier New" panose="02070309020205020404" pitchFamily="49" charset="0"/>
+              </a:rPr>
+              <a:t>phosphopeptide</a:t>
+            </a:r>
+            <a:r>
+              <a:rPr lang="en-GB" sz="1400" dirty="0">
+                <a:solidFill>
+                  <a:srgbClr val="000000"/>
+                </a:solidFill>
+                <a:latin typeface="Lucida Console" panose="020B0609040504020204" pitchFamily="49" charset="0"/>
+                <a:ea typeface="Times New Roman" panose="02020603050405020304" pitchFamily="18" charset="0"/>
+                <a:cs typeface="Courier New" panose="02070309020205020404" pitchFamily="49" charset="0"/>
+              </a:rPr>
+              <a:t> binding domain 1 [</a:t>
+            </a:r>
+            <a:r>
+              <a:rPr lang="en-GB" sz="1400" dirty="0" err="1">
+                <a:solidFill>
+                  <a:srgbClr val="000000"/>
+                </a:solidFill>
+                <a:latin typeface="Lucida Console" panose="020B0609040504020204" pitchFamily="49" charset="0"/>
+                <a:ea typeface="Times New Roman" panose="02020603050405020304" pitchFamily="18" charset="0"/>
+                <a:cs typeface="Courier New" panose="02070309020205020404" pitchFamily="49" charset="0"/>
+              </a:rPr>
+              <a:t>Source:HGNC</a:t>
+            </a:r>
+            <a:r>
+              <a:rPr lang="en-GB" sz="1400" dirty="0">
+                <a:solidFill>
+                  <a:srgbClr val="000000"/>
+                </a:solidFill>
+                <a:latin typeface="Lucida Console" panose="020B0609040504020204" pitchFamily="49" charset="0"/>
+                <a:ea typeface="Times New Roman" panose="02020603050405020304" pitchFamily="18" charset="0"/>
+                <a:cs typeface="Courier New" panose="02070309020205020404" pitchFamily="49" charset="0"/>
+              </a:rPr>
               <a:t> </a:t>
             </a:r>
             <a:r>
-              <a:rPr lang="en-GB" dirty="0" err="1"/>
-              <a:t>etc</a:t>
-            </a:r>
-            <a:endParaRPr lang="en-GB" dirty="0"/>
-          </a:p>
-          <a:p>
-            <a:pPr lvl="1"/>
-            <a:endParaRPr lang="en-GB" dirty="0"/>
-          </a:p>
-          <a:p>
-            <a:r>
-              <a:rPr lang="en-GB" dirty="0"/>
-              <a:t>Customise labels, colours annotations etc.</a:t>
-            </a:r>
+              <a:rPr lang="en-GB" sz="1400" dirty="0" err="1">
+                <a:solidFill>
+                  <a:srgbClr val="000000"/>
+                </a:solidFill>
+                <a:latin typeface="Lucida Console" panose="020B0609040504020204" pitchFamily="49" charset="0"/>
+                <a:ea typeface="Times New Roman" panose="02020603050405020304" pitchFamily="18" charset="0"/>
+                <a:cs typeface="Courier New" panose="02070309020205020404" pitchFamily="49" charset="0"/>
+              </a:rPr>
+              <a:t>Symbol;Acc:HGN</a:t>
+            </a:r>
+            <a:endParaRPr lang="en-GB" sz="1400" dirty="0">
+              <a:latin typeface="Arial" panose="020B0604020202020204" pitchFamily="34" charset="0"/>
+              <a:ea typeface="Times New Roman" panose="02020603050405020304" pitchFamily="18" charset="0"/>
+              <a:cs typeface="Times New Roman" panose="02020603050405020304" pitchFamily="18" charset="0"/>
+            </a:endParaRPr>
           </a:p>
         </p:txBody>
       </p:sp>
     </p:spTree>
     <p:extLst>
       <p:ext uri="{BB962C8B-B14F-4D97-AF65-F5344CB8AC3E}">
-        <p14:creationId xmlns:p14="http://schemas.microsoft.com/office/powerpoint/2010/main" val="3181835836"/>
+        <p14:creationId xmlns:p14="http://schemas.microsoft.com/office/powerpoint/2010/main" val="611746327"/>
       </p:ext>
     </p:extLst>
   </p:cSld>
   <p:clrMapOvr>
     <a:masterClrMapping/>
   </p:clrMapOvr>
-  <p:timing>
-    <p:tnLst>
-      <p:par>
-        <p:cTn id="1" dur="indefinite" restart="never" nodeType="tmRoot">
-          <p:childTnLst>
-            <p:seq concurrent="1" nextAc="seek">
-              <p:cTn id="2" dur="indefinite" nodeType="mainSeq">
-                <p:childTnLst>
-                  <p:par>
-                    <p:cTn id="3" fill="hold">
-                      <p:stCondLst>
-                        <p:cond delay="indefinite"/>
-                      </p:stCondLst>
-                      <p:childTnLst>
-                        <p:par>
-                          <p:cTn id="4" fill="hold">
-                            <p:stCondLst>
-                              <p:cond delay="0"/>
-                            </p:stCondLst>
-                            <p:childTnLst>
-                              <p:par>
-                                <p:cTn id="5" presetID="10" presetClass="entr" presetSubtype="0" fill="hold" nodeType="clickEffect">
-                                  <p:stCondLst>
-                                    <p:cond delay="0"/>
-                                  </p:stCondLst>
-                                  <p:childTnLst>
-                                    <p:set>
-                                      <p:cBhvr>
-                                        <p:cTn id="6" dur="1" fill="hold">
-                                          <p:stCondLst>
-                                            <p:cond delay="0"/>
-                                          </p:stCondLst>
-                                        </p:cTn>
-                                        <p:tgtEl>
-                                          <p:spTgt spid="3">
-                                            <p:txEl>
-                                              <p:pRg st="0" end="0"/>
-                                            </p:txEl>
-                                          </p:spTgt>
-                                        </p:tgtEl>
-                                        <p:attrNameLst>
-                                          <p:attrName>style.visibility</p:attrName>
-                                        </p:attrNameLst>
-                                      </p:cBhvr>
-                                      <p:to>
-                                        <p:strVal val="visible"/>
-                                      </p:to>
-                                    </p:set>
-                                    <p:animEffect transition="in" filter="fade">
-                                      <p:cBhvr>
-                                        <p:cTn id="7" dur="500"/>
-                                        <p:tgtEl>
-                                          <p:spTgt spid="3">
-                                            <p:txEl>
-                                              <p:pRg st="0" end="0"/>
-                                            </p:txEl>
-                                          </p:spTgt>
-                                        </p:tgtEl>
-                                      </p:cBhvr>
-                                    </p:animEffect>
-                                  </p:childTnLst>
-                                </p:cTn>
-                              </p:par>
-                              <p:par>
-                                <p:cTn id="8" presetID="10" presetClass="entr" presetSubtype="0" fill="hold" nodeType="withEffect">
-                                  <p:stCondLst>
-                                    <p:cond delay="0"/>
-                                  </p:stCondLst>
-                                  <p:childTnLst>
-                                    <p:set>
-                                      <p:cBhvr>
-                                        <p:cTn id="9" dur="1" fill="hold">
-                                          <p:stCondLst>
-                                            <p:cond delay="0"/>
-                                          </p:stCondLst>
-                                        </p:cTn>
-                                        <p:tgtEl>
-                                          <p:spTgt spid="3">
-                                            <p:txEl>
-                                              <p:pRg st="1" end="1"/>
-                                            </p:txEl>
-                                          </p:spTgt>
-                                        </p:tgtEl>
-                                        <p:attrNameLst>
-                                          <p:attrName>style.visibility</p:attrName>
-                                        </p:attrNameLst>
-                                      </p:cBhvr>
-                                      <p:to>
-                                        <p:strVal val="visible"/>
-                                      </p:to>
-                                    </p:set>
-                                    <p:animEffect transition="in" filter="fade">
-                                      <p:cBhvr>
-                                        <p:cTn id="10" dur="500"/>
-                                        <p:tgtEl>
-                                          <p:spTgt spid="3">
-                                            <p:txEl>
-                                              <p:pRg st="1" end="1"/>
-                                            </p:txEl>
-                                          </p:spTgt>
-                                        </p:tgtEl>
-                                      </p:cBhvr>
-                                    </p:animEffect>
-                                  </p:childTnLst>
-                                </p:cTn>
-                              </p:par>
-                              <p:par>
-                                <p:cTn id="11" presetID="10" presetClass="entr" presetSubtype="0" fill="hold" nodeType="withEffect">
-                                  <p:stCondLst>
-                                    <p:cond delay="0"/>
-                                  </p:stCondLst>
-                                  <p:childTnLst>
-                                    <p:set>
-                                      <p:cBhvr>
-                                        <p:cTn id="12" dur="1" fill="hold">
-                                          <p:stCondLst>
-                                            <p:cond delay="0"/>
-                                          </p:stCondLst>
-                                        </p:cTn>
-                                        <p:tgtEl>
-                                          <p:spTgt spid="3">
-                                            <p:txEl>
-                                              <p:pRg st="2" end="2"/>
-                                            </p:txEl>
-                                          </p:spTgt>
-                                        </p:tgtEl>
-                                        <p:attrNameLst>
-                                          <p:attrName>style.visibility</p:attrName>
-                                        </p:attrNameLst>
-                                      </p:cBhvr>
-                                      <p:to>
-                                        <p:strVal val="visible"/>
-                                      </p:to>
-                                    </p:set>
-                                    <p:animEffect transition="in" filter="fade">
-                                      <p:cBhvr>
-                                        <p:cTn id="13" dur="500"/>
-                                        <p:tgtEl>
-                                          <p:spTgt spid="3">
-                                            <p:txEl>
-                                              <p:pRg st="2" end="2"/>
-                                            </p:txEl>
-                                          </p:spTgt>
-                                        </p:tgtEl>
-                                      </p:cBhvr>
-                                    </p:animEffect>
-                                  </p:childTnLst>
-                                </p:cTn>
-                              </p:par>
-                            </p:childTnLst>
-                          </p:cTn>
-                        </p:par>
-                      </p:childTnLst>
-                    </p:cTn>
-                  </p:par>
-                  <p:par>
-                    <p:cTn id="14" fill="hold">
-                      <p:stCondLst>
-                        <p:cond delay="indefinite"/>
-                      </p:stCondLst>
-                      <p:childTnLst>
-                        <p:par>
-                          <p:cTn id="15" fill="hold">
-                            <p:stCondLst>
-                              <p:cond delay="0"/>
-                            </p:stCondLst>
-                            <p:childTnLst>
-                              <p:par>
-                                <p:cTn id="16" presetID="10" presetClass="entr" presetSubtype="0" fill="hold" nodeType="clickEffect">
-                                  <p:stCondLst>
-                                    <p:cond delay="0"/>
-                                  </p:stCondLst>
-                                  <p:childTnLst>
-                                    <p:set>
-                                      <p:cBhvr>
-                                        <p:cTn id="17" dur="1" fill="hold">
-                                          <p:stCondLst>
-                                            <p:cond delay="0"/>
-                                          </p:stCondLst>
-                                        </p:cTn>
-                                        <p:tgtEl>
-                                          <p:spTgt spid="3">
-                                            <p:txEl>
-                                              <p:pRg st="4" end="4"/>
-                                            </p:txEl>
-                                          </p:spTgt>
-                                        </p:tgtEl>
-                                        <p:attrNameLst>
-                                          <p:attrName>style.visibility</p:attrName>
-                                        </p:attrNameLst>
-                                      </p:cBhvr>
-                                      <p:to>
-                                        <p:strVal val="visible"/>
-                                      </p:to>
-                                    </p:set>
-                                    <p:animEffect transition="in" filter="fade">
-                                      <p:cBhvr>
-                                        <p:cTn id="18" dur="500"/>
-                                        <p:tgtEl>
-                                          <p:spTgt spid="3">
-                                            <p:txEl>
-                                              <p:pRg st="4" end="4"/>
-                                            </p:txEl>
-                                          </p:spTgt>
-                                        </p:tgtEl>
-                                      </p:cBhvr>
-                                    </p:animEffect>
-                                  </p:childTnLst>
-                                </p:cTn>
-                              </p:par>
-                              <p:par>
-                                <p:cTn id="19" presetID="10" presetClass="entr" presetSubtype="0" fill="hold" nodeType="withEffect">
-                                  <p:stCondLst>
-                                    <p:cond delay="0"/>
-                                  </p:stCondLst>
-                                  <p:childTnLst>
-                                    <p:set>
-                                      <p:cBhvr>
-                                        <p:cTn id="20" dur="1" fill="hold">
-                                          <p:stCondLst>
-                                            <p:cond delay="0"/>
-                                          </p:stCondLst>
-                                        </p:cTn>
-                                        <p:tgtEl>
-                                          <p:spTgt spid="3">
-                                            <p:txEl>
-                                              <p:pRg st="5" end="5"/>
-                                            </p:txEl>
-                                          </p:spTgt>
-                                        </p:tgtEl>
-                                        <p:attrNameLst>
-                                          <p:attrName>style.visibility</p:attrName>
-                                        </p:attrNameLst>
-                                      </p:cBhvr>
-                                      <p:to>
-                                        <p:strVal val="visible"/>
-                                      </p:to>
-                                    </p:set>
-                                    <p:animEffect transition="in" filter="fade">
-                                      <p:cBhvr>
-                                        <p:cTn id="21" dur="500"/>
-                                        <p:tgtEl>
-                                          <p:spTgt spid="3">
-                                            <p:txEl>
-                                              <p:pRg st="5" end="5"/>
-                                            </p:txEl>
-                                          </p:spTgt>
-                                        </p:tgtEl>
-                                      </p:cBhvr>
-                                    </p:animEffect>
-                                  </p:childTnLst>
-                                </p:cTn>
-                              </p:par>
-                            </p:childTnLst>
-                          </p:cTn>
-                        </p:par>
-                      </p:childTnLst>
-                    </p:cTn>
-                  </p:par>
-                  <p:par>
-                    <p:cTn id="22" fill="hold">
-                      <p:stCondLst>
-                        <p:cond delay="indefinite"/>
-                      </p:stCondLst>
-                      <p:childTnLst>
-                        <p:par>
-                          <p:cTn id="23" fill="hold">
-                            <p:stCondLst>
-                              <p:cond delay="0"/>
-                            </p:stCondLst>
-                            <p:childTnLst>
-                              <p:par>
-                                <p:cTn id="24" presetID="10" presetClass="entr" presetSubtype="0" fill="hold" nodeType="clickEffect">
-                                  <p:stCondLst>
-                                    <p:cond delay="0"/>
-                                  </p:stCondLst>
-                                  <p:childTnLst>
-                                    <p:set>
-                                      <p:cBhvr>
-                                        <p:cTn id="25" dur="1" fill="hold">
-                                          <p:stCondLst>
-                                            <p:cond delay="0"/>
-                                          </p:stCondLst>
-                                        </p:cTn>
-                                        <p:tgtEl>
-                                          <p:spTgt spid="3">
-                                            <p:txEl>
-                                              <p:pRg st="7" end="7"/>
-                                            </p:txEl>
-                                          </p:spTgt>
-                                        </p:tgtEl>
-                                        <p:attrNameLst>
-                                          <p:attrName>style.visibility</p:attrName>
-                                        </p:attrNameLst>
-                                      </p:cBhvr>
-                                      <p:to>
-                                        <p:strVal val="visible"/>
-                                      </p:to>
-                                    </p:set>
-                                    <p:animEffect transition="in" filter="fade">
-                                      <p:cBhvr>
-                                        <p:cTn id="26" dur="500"/>
-                                        <p:tgtEl>
-                                          <p:spTgt spid="3">
-                                            <p:txEl>
-                                              <p:pRg st="7" end="7"/>
-                                            </p:txEl>
-                                          </p:spTgt>
-                                        </p:tgtEl>
-                                      </p:cBhvr>
-                                    </p:animEffect>
-                                  </p:childTnLst>
-                                </p:cTn>
-                              </p:par>
-                            </p:childTnLst>
-                          </p:cTn>
-                        </p:par>
-                      </p:childTnLst>
-                    </p:cTn>
-                  </p:par>
-                </p:childTnLst>
-              </p:cTn>
-              <p:prevCondLst>
-                <p:cond evt="onPrev" delay="0">
-                  <p:tgtEl>
-                    <p:sldTgt/>
-                  </p:tgtEl>
-                </p:cond>
-              </p:prevCondLst>
-              <p:nextCondLst>
-                <p:cond evt="onNext" delay="0">
-                  <p:tgtEl>
-                    <p:sldTgt/>
-                  </p:tgtEl>
-                </p:cond>
-              </p:nextCondLst>
-            </p:seq>
-          </p:childTnLst>
-        </p:cTn>
-      </p:par>
-    </p:tnLst>
-  </p:timing>
 </p:sld>
 </file>
 
